--- a/weekly-projects/overlay-part-1-gathering/overlays.pptx
+++ b/weekly-projects/overlay-part-1-gathering/overlays.pptx
@@ -3790,42 +3790,42 @@
   <p:extLst mod="1">
     <p:ext uri="{27BBF7A9-308A-43DC-89C8-2F10F3537804}">
       <p15:sldGuideLst xmlns:p15="http://schemas.microsoft.com/office/powerpoint/2012/main">
-        <p15:guide id="4294967295" orient="horz" pos="1368">
+        <p15:guide id="1" orient="horz" pos="1368">
           <p15:clr>
             <a:srgbClr val="F26B43"/>
           </p15:clr>
         </p15:guide>
-        <p15:guide id="4294967295" orient="horz" pos="1440">
+        <p15:guide id="2" orient="horz" pos="1440">
           <p15:clr>
             <a:srgbClr val="F26B43"/>
           </p15:clr>
         </p15:guide>
-        <p15:guide id="4294967295" orient="horz" pos="3696">
+        <p15:guide id="3" orient="horz" pos="3696">
           <p15:clr>
             <a:srgbClr val="F26B43"/>
           </p15:clr>
         </p15:guide>
-        <p15:guide id="4294967295" orient="horz" pos="432">
+        <p15:guide id="4" orient="horz" pos="432">
           <p15:clr>
             <a:srgbClr val="F26B43"/>
           </p15:clr>
         </p15:guide>
-        <p15:guide id="4294967295" orient="horz" pos="1512">
+        <p15:guide id="5" orient="horz" pos="1512">
           <p15:clr>
             <a:srgbClr val="F26B43"/>
           </p15:clr>
         </p15:guide>
-        <p15:guide id="4294967295" pos="6912">
+        <p15:guide id="6" pos="6912">
           <p15:clr>
             <a:srgbClr val="F26B43"/>
           </p15:clr>
         </p15:guide>
-        <p15:guide id="4294967295" pos="936">
+        <p15:guide id="7" pos="936">
           <p15:clr>
             <a:srgbClr val="F26B43"/>
           </p15:clr>
         </p15:guide>
-        <p15:guide id="4294967295" pos="864">
+        <p15:guide id="8" pos="864">
           <p15:clr>
             <a:srgbClr val="F26B43"/>
           </p15:clr>
@@ -4645,12 +4645,12 @@
           <a:lstStyle/>
           <a:p>
             <a:r>
-              <a:rPr lang="en-US" dirty="0" err="1"/>
+              <a:rPr lang="en-US" dirty="0" err="1" smtClean="0"/>
               <a:t>Rikai</a:t>
             </a:r>
             <a:r>
-              <a:rPr lang="en-US" dirty="0"/>
-              <a:t>-kun/-san/-</a:t>
+              <a:rPr lang="en-US" dirty="0" smtClean="0"/>
+              <a:t>-kun/-</a:t>
             </a:r>
             <a:r>
               <a:rPr lang="en-US" dirty="0" err="1"/>
@@ -4686,7 +4686,7 @@
         </p:spPr>
         <p:txBody>
           <a:bodyPr>
-            <a:normAutofit/>
+            <a:normAutofit fontScale="92500" lnSpcReduction="20000"/>
           </a:bodyPr>
           <a:lstStyle/>
           <a:p>
@@ -4698,13 +4698,57 @@
           <a:p>
             <a:r>
               <a:rPr lang="en-US" dirty="0" smtClean="0"/>
-              <a:t>Ports for Chrome, Firefox, etc.</a:t>
-            </a:r>
-          </a:p>
-          <a:p>
+              <a:t>Firefox original (-</a:t>
+            </a:r>
+            <a:r>
+              <a:rPr lang="en-US" dirty="0" err="1" smtClean="0"/>
+              <a:t>chan</a:t>
+            </a:r>
             <a:r>
               <a:rPr lang="en-US" dirty="0" smtClean="0"/>
-              <a:t>Chrome port created by </a:t>
+              <a:t>)</a:t>
+            </a:r>
+          </a:p>
+          <a:p>
+            <a:pPr lvl="1"/>
+            <a:r>
+              <a:rPr lang="en-US" dirty="0" smtClean="0"/>
+              <a:t>Ports </a:t>
+            </a:r>
+            <a:r>
+              <a:rPr lang="en-US" dirty="0" smtClean="0"/>
+              <a:t>for </a:t>
+            </a:r>
+            <a:r>
+              <a:rPr lang="en-US" dirty="0" smtClean="0"/>
+              <a:t>Chrome (-kun), Explorer (-</a:t>
+            </a:r>
+            <a:r>
+              <a:rPr lang="en-US" dirty="0" err="1" smtClean="0"/>
+              <a:t>sama</a:t>
+            </a:r>
+            <a:r>
+              <a:rPr lang="en-US" dirty="0"/>
+              <a:t>)</a:t>
+            </a:r>
+            <a:endParaRPr lang="en-US" dirty="0" smtClean="0"/>
+          </a:p>
+          <a:p>
+            <a:r>
+              <a:rPr lang="en-US" dirty="0" smtClean="0"/>
+              <a:t>Developed by Todd David </a:t>
+            </a:r>
+            <a:r>
+              <a:rPr lang="en-US" dirty="0" err="1" smtClean="0"/>
+              <a:t>Rudick</a:t>
+            </a:r>
+            <a:r>
+              <a:rPr lang="en-US" dirty="0" smtClean="0"/>
+              <a:t>; Chrome </a:t>
+            </a:r>
+            <a:r>
+              <a:rPr lang="en-US" dirty="0" smtClean="0"/>
+              <a:t>port created by </a:t>
             </a:r>
             <a:r>
               <a:rPr lang="en-US" dirty="0" err="1" smtClean="0"/>
@@ -4712,7 +4756,30 @@
             </a:r>
             <a:r>
               <a:rPr lang="en-US" dirty="0" smtClean="0"/>
-              <a:t> Speed, a programmer from U.S. with game design experience in Japan</a:t>
+              <a:t> Speed</a:t>
+            </a:r>
+          </a:p>
+          <a:p>
+            <a:pPr lvl="1"/>
+            <a:r>
+              <a:rPr lang="en-US" dirty="0" smtClean="0"/>
+              <a:t>Both programmers</a:t>
+            </a:r>
+            <a:r>
+              <a:rPr lang="en-US" dirty="0" smtClean="0"/>
+              <a:t> </a:t>
+            </a:r>
+            <a:r>
+              <a:rPr lang="en-US" dirty="0" smtClean="0"/>
+              <a:t>from U.S. with </a:t>
+            </a:r>
+            <a:r>
+              <a:rPr lang="en-US" dirty="0" smtClean="0"/>
+              <a:t>graphic/game </a:t>
+            </a:r>
+            <a:r>
+              <a:rPr lang="en-US" dirty="0" smtClean="0"/>
+              <a:t>design experience in Japan</a:t>
             </a:r>
           </a:p>
           <a:p>
@@ -4724,11 +4791,7 @@
           <a:p>
             <a:r>
               <a:rPr lang="en-US" dirty="0" smtClean="0"/>
-              <a:t>The efficiency is unmatched (no need to keep opening a separate </a:t>
-            </a:r>
-            <a:r>
-              <a:rPr lang="en-US" smtClean="0"/>
-              <a:t>online dictionary)</a:t>
+              <a:t>The efficiency is unmatched (no need to keep opening a separate online dictionary)</a:t>
             </a:r>
             <a:endParaRPr lang="en-US" dirty="0"/>
           </a:p>

--- a/weekly-projects/overlay-part-1-gathering/overlays.pptx
+++ b/weekly-projects/overlay-part-1-gathering/overlays.pptx
@@ -4,12 +4,15 @@
   <p:sldMasterIdLst>
     <p:sldMasterId id="2147483660" r:id="rId1"/>
   </p:sldMasterIdLst>
+  <p:notesMasterIdLst>
+    <p:notesMasterId r:id="rId8"/>
+  </p:notesMasterIdLst>
   <p:sldIdLst>
     <p:sldId id="256" r:id="rId2"/>
-    <p:sldId id="259" r:id="rId3"/>
-    <p:sldId id="258" r:id="rId4"/>
-    <p:sldId id="261" r:id="rId5"/>
-    <p:sldId id="263" r:id="rId6"/>
+    <p:sldId id="263" r:id="rId3"/>
+    <p:sldId id="261" r:id="rId4"/>
+    <p:sldId id="259" r:id="rId5"/>
+    <p:sldId id="258" r:id="rId6"/>
     <p:sldId id="257" r:id="rId7"/>
   </p:sldIdLst>
   <p:sldSz cx="12192000" cy="6858000"/>
@@ -115,6 +118,860 @@
     </p:ext>
   </p:extLst>
 </p:presentation>
+</file>
+
+<file path=ppt/notesMasters/notesMaster1.xml><?xml version="1.0" encoding="utf-8"?>
+<p:notesMaster xmlns:a="http://schemas.openxmlformats.org/drawingml/2006/main" xmlns:r="http://schemas.openxmlformats.org/officeDocument/2006/relationships" xmlns:p="http://schemas.openxmlformats.org/presentationml/2006/main">
+  <p:cSld>
+    <p:bg>
+      <p:bgRef idx="1001">
+        <a:schemeClr val="bg1"/>
+      </p:bgRef>
+    </p:bg>
+    <p:spTree>
+      <p:nvGrpSpPr>
+        <p:cNvPr id="1" name=""/>
+        <p:cNvGrpSpPr/>
+        <p:nvPr/>
+      </p:nvGrpSpPr>
+      <p:grpSpPr>
+        <a:xfrm>
+          <a:off x="0" y="0"/>
+          <a:ext cx="0" cy="0"/>
+          <a:chOff x="0" y="0"/>
+          <a:chExt cx="0" cy="0"/>
+        </a:xfrm>
+      </p:grpSpPr>
+      <p:sp>
+        <p:nvSpPr>
+          <p:cNvPr id="2" name="Header Placeholder 1"/>
+          <p:cNvSpPr>
+            <a:spLocks noGrp="1"/>
+          </p:cNvSpPr>
+          <p:nvPr>
+            <p:ph type="hdr" sz="quarter"/>
+          </p:nvPr>
+        </p:nvSpPr>
+        <p:spPr>
+          <a:xfrm>
+            <a:off x="0" y="0"/>
+            <a:ext cx="2971800" cy="458788"/>
+          </a:xfrm>
+          <a:prstGeom prst="rect">
+            <a:avLst/>
+          </a:prstGeom>
+        </p:spPr>
+        <p:txBody>
+          <a:bodyPr vert="horz" lIns="91440" tIns="45720" rIns="91440" bIns="45720" rtlCol="0"/>
+          <a:lstStyle>
+            <a:lvl1pPr algn="l">
+              <a:defRPr sz="1200"/>
+            </a:lvl1pPr>
+          </a:lstStyle>
+          <a:p>
+            <a:endParaRPr lang="en-US"/>
+          </a:p>
+        </p:txBody>
+      </p:sp>
+      <p:sp>
+        <p:nvSpPr>
+          <p:cNvPr id="3" name="Date Placeholder 2"/>
+          <p:cNvSpPr>
+            <a:spLocks noGrp="1"/>
+          </p:cNvSpPr>
+          <p:nvPr>
+            <p:ph type="dt" idx="1"/>
+          </p:nvPr>
+        </p:nvSpPr>
+        <p:spPr>
+          <a:xfrm>
+            <a:off x="3884613" y="0"/>
+            <a:ext cx="2971800" cy="458788"/>
+          </a:xfrm>
+          <a:prstGeom prst="rect">
+            <a:avLst/>
+          </a:prstGeom>
+        </p:spPr>
+        <p:txBody>
+          <a:bodyPr vert="horz" lIns="91440" tIns="45720" rIns="91440" bIns="45720" rtlCol="0"/>
+          <a:lstStyle>
+            <a:lvl1pPr algn="r">
+              <a:defRPr sz="1200"/>
+            </a:lvl1pPr>
+          </a:lstStyle>
+          <a:p>
+            <a:fld id="{7F7636BC-23F2-4C1E-9ABD-69D6AD69F87A}" type="datetimeFigureOut">
+              <a:rPr lang="en-US" smtClean="0"/>
+              <a:t>7/18/2018</a:t>
+            </a:fld>
+            <a:endParaRPr lang="en-US"/>
+          </a:p>
+        </p:txBody>
+      </p:sp>
+      <p:sp>
+        <p:nvSpPr>
+          <p:cNvPr id="4" name="Slide Image Placeholder 3"/>
+          <p:cNvSpPr>
+            <a:spLocks noGrp="1" noRot="1" noChangeAspect="1"/>
+          </p:cNvSpPr>
+          <p:nvPr>
+            <p:ph type="sldImg" idx="2"/>
+          </p:nvPr>
+        </p:nvSpPr>
+        <p:spPr>
+          <a:xfrm>
+            <a:off x="685800" y="1143000"/>
+            <a:ext cx="5486400" cy="3086100"/>
+          </a:xfrm>
+          <a:prstGeom prst="rect">
+            <a:avLst/>
+          </a:prstGeom>
+          <a:noFill/>
+          <a:ln w="12700">
+            <a:solidFill>
+              <a:prstClr val="black"/>
+            </a:solidFill>
+          </a:ln>
+        </p:spPr>
+        <p:txBody>
+          <a:bodyPr vert="horz" lIns="91440" tIns="45720" rIns="91440" bIns="45720" rtlCol="0" anchor="ctr"/>
+          <a:lstStyle/>
+          <a:p>
+            <a:endParaRPr lang="en-US"/>
+          </a:p>
+        </p:txBody>
+      </p:sp>
+      <p:sp>
+        <p:nvSpPr>
+          <p:cNvPr id="5" name="Notes Placeholder 4"/>
+          <p:cNvSpPr>
+            <a:spLocks noGrp="1"/>
+          </p:cNvSpPr>
+          <p:nvPr>
+            <p:ph type="body" sz="quarter" idx="3"/>
+          </p:nvPr>
+        </p:nvSpPr>
+        <p:spPr>
+          <a:xfrm>
+            <a:off x="685800" y="4400550"/>
+            <a:ext cx="5486400" cy="3600450"/>
+          </a:xfrm>
+          <a:prstGeom prst="rect">
+            <a:avLst/>
+          </a:prstGeom>
+        </p:spPr>
+        <p:txBody>
+          <a:bodyPr vert="horz" lIns="91440" tIns="45720" rIns="91440" bIns="45720" rtlCol="0"/>
+          <a:lstStyle/>
+          <a:p>
+            <a:pPr lvl="0"/>
+            <a:r>
+              <a:rPr lang="en-US" smtClean="0"/>
+              <a:t>Click to edit Master text styles</a:t>
+            </a:r>
+          </a:p>
+          <a:p>
+            <a:pPr lvl="1"/>
+            <a:r>
+              <a:rPr lang="en-US" smtClean="0"/>
+              <a:t>Second level</a:t>
+            </a:r>
+          </a:p>
+          <a:p>
+            <a:pPr lvl="2"/>
+            <a:r>
+              <a:rPr lang="en-US" smtClean="0"/>
+              <a:t>Third level</a:t>
+            </a:r>
+          </a:p>
+          <a:p>
+            <a:pPr lvl="3"/>
+            <a:r>
+              <a:rPr lang="en-US" smtClean="0"/>
+              <a:t>Fourth level</a:t>
+            </a:r>
+          </a:p>
+          <a:p>
+            <a:pPr lvl="4"/>
+            <a:r>
+              <a:rPr lang="en-US" smtClean="0"/>
+              <a:t>Fifth level</a:t>
+            </a:r>
+            <a:endParaRPr lang="en-US"/>
+          </a:p>
+        </p:txBody>
+      </p:sp>
+      <p:sp>
+        <p:nvSpPr>
+          <p:cNvPr id="6" name="Footer Placeholder 5"/>
+          <p:cNvSpPr>
+            <a:spLocks noGrp="1"/>
+          </p:cNvSpPr>
+          <p:nvPr>
+            <p:ph type="ftr" sz="quarter" idx="4"/>
+          </p:nvPr>
+        </p:nvSpPr>
+        <p:spPr>
+          <a:xfrm>
+            <a:off x="0" y="8685213"/>
+            <a:ext cx="2971800" cy="458787"/>
+          </a:xfrm>
+          <a:prstGeom prst="rect">
+            <a:avLst/>
+          </a:prstGeom>
+        </p:spPr>
+        <p:txBody>
+          <a:bodyPr vert="horz" lIns="91440" tIns="45720" rIns="91440" bIns="45720" rtlCol="0" anchor="b"/>
+          <a:lstStyle>
+            <a:lvl1pPr algn="l">
+              <a:defRPr sz="1200"/>
+            </a:lvl1pPr>
+          </a:lstStyle>
+          <a:p>
+            <a:endParaRPr lang="en-US"/>
+          </a:p>
+        </p:txBody>
+      </p:sp>
+      <p:sp>
+        <p:nvSpPr>
+          <p:cNvPr id="7" name="Slide Number Placeholder 6"/>
+          <p:cNvSpPr>
+            <a:spLocks noGrp="1"/>
+          </p:cNvSpPr>
+          <p:nvPr>
+            <p:ph type="sldNum" sz="quarter" idx="5"/>
+          </p:nvPr>
+        </p:nvSpPr>
+        <p:spPr>
+          <a:xfrm>
+            <a:off x="3884613" y="8685213"/>
+            <a:ext cx="2971800" cy="458787"/>
+          </a:xfrm>
+          <a:prstGeom prst="rect">
+            <a:avLst/>
+          </a:prstGeom>
+        </p:spPr>
+        <p:txBody>
+          <a:bodyPr vert="horz" lIns="91440" tIns="45720" rIns="91440" bIns="45720" rtlCol="0" anchor="b"/>
+          <a:lstStyle>
+            <a:lvl1pPr algn="r">
+              <a:defRPr sz="1200"/>
+            </a:lvl1pPr>
+          </a:lstStyle>
+          <a:p>
+            <a:fld id="{443FAA25-0838-4A64-B04C-D6739AF6CB52}" type="slidenum">
+              <a:rPr lang="en-US" smtClean="0"/>
+              <a:t>‹#›</a:t>
+            </a:fld>
+            <a:endParaRPr lang="en-US"/>
+          </a:p>
+        </p:txBody>
+      </p:sp>
+    </p:spTree>
+    <p:extLst>
+      <p:ext uri="{BB962C8B-B14F-4D97-AF65-F5344CB8AC3E}">
+        <p14:creationId xmlns:p14="http://schemas.microsoft.com/office/powerpoint/2010/main" val="1522177686"/>
+      </p:ext>
+    </p:extLst>
+  </p:cSld>
+  <p:clrMap bg1="lt1" tx1="dk1" bg2="lt2" tx2="dk2" accent1="accent1" accent2="accent2" accent3="accent3" accent4="accent4" accent5="accent5" accent6="accent6" hlink="hlink" folHlink="folHlink"/>
+  <p:notesStyle>
+    <a:lvl1pPr marL="0" algn="l" defTabSz="914400" rtl="0" eaLnBrk="1" latinLnBrk="0" hangingPunct="1">
+      <a:defRPr sz="1200" kern="1200">
+        <a:solidFill>
+          <a:schemeClr val="tx1"/>
+        </a:solidFill>
+        <a:latin typeface="+mn-lt"/>
+        <a:ea typeface="+mn-ea"/>
+        <a:cs typeface="+mn-cs"/>
+      </a:defRPr>
+    </a:lvl1pPr>
+    <a:lvl2pPr marL="457200" algn="l" defTabSz="914400" rtl="0" eaLnBrk="1" latinLnBrk="0" hangingPunct="1">
+      <a:defRPr sz="1200" kern="1200">
+        <a:solidFill>
+          <a:schemeClr val="tx1"/>
+        </a:solidFill>
+        <a:latin typeface="+mn-lt"/>
+        <a:ea typeface="+mn-ea"/>
+        <a:cs typeface="+mn-cs"/>
+      </a:defRPr>
+    </a:lvl2pPr>
+    <a:lvl3pPr marL="914400" algn="l" defTabSz="914400" rtl="0" eaLnBrk="1" latinLnBrk="0" hangingPunct="1">
+      <a:defRPr sz="1200" kern="1200">
+        <a:solidFill>
+          <a:schemeClr val="tx1"/>
+        </a:solidFill>
+        <a:latin typeface="+mn-lt"/>
+        <a:ea typeface="+mn-ea"/>
+        <a:cs typeface="+mn-cs"/>
+      </a:defRPr>
+    </a:lvl3pPr>
+    <a:lvl4pPr marL="1371600" algn="l" defTabSz="914400" rtl="0" eaLnBrk="1" latinLnBrk="0" hangingPunct="1">
+      <a:defRPr sz="1200" kern="1200">
+        <a:solidFill>
+          <a:schemeClr val="tx1"/>
+        </a:solidFill>
+        <a:latin typeface="+mn-lt"/>
+        <a:ea typeface="+mn-ea"/>
+        <a:cs typeface="+mn-cs"/>
+      </a:defRPr>
+    </a:lvl4pPr>
+    <a:lvl5pPr marL="1828800" algn="l" defTabSz="914400" rtl="0" eaLnBrk="1" latinLnBrk="0" hangingPunct="1">
+      <a:defRPr sz="1200" kern="1200">
+        <a:solidFill>
+          <a:schemeClr val="tx1"/>
+        </a:solidFill>
+        <a:latin typeface="+mn-lt"/>
+        <a:ea typeface="+mn-ea"/>
+        <a:cs typeface="+mn-cs"/>
+      </a:defRPr>
+    </a:lvl5pPr>
+    <a:lvl6pPr marL="2286000" algn="l" defTabSz="914400" rtl="0" eaLnBrk="1" latinLnBrk="0" hangingPunct="1">
+      <a:defRPr sz="1200" kern="1200">
+        <a:solidFill>
+          <a:schemeClr val="tx1"/>
+        </a:solidFill>
+        <a:latin typeface="+mn-lt"/>
+        <a:ea typeface="+mn-ea"/>
+        <a:cs typeface="+mn-cs"/>
+      </a:defRPr>
+    </a:lvl6pPr>
+    <a:lvl7pPr marL="2743200" algn="l" defTabSz="914400" rtl="0" eaLnBrk="1" latinLnBrk="0" hangingPunct="1">
+      <a:defRPr sz="1200" kern="1200">
+        <a:solidFill>
+          <a:schemeClr val="tx1"/>
+        </a:solidFill>
+        <a:latin typeface="+mn-lt"/>
+        <a:ea typeface="+mn-ea"/>
+        <a:cs typeface="+mn-cs"/>
+      </a:defRPr>
+    </a:lvl7pPr>
+    <a:lvl8pPr marL="3200400" algn="l" defTabSz="914400" rtl="0" eaLnBrk="1" latinLnBrk="0" hangingPunct="1">
+      <a:defRPr sz="1200" kern="1200">
+        <a:solidFill>
+          <a:schemeClr val="tx1"/>
+        </a:solidFill>
+        <a:latin typeface="+mn-lt"/>
+        <a:ea typeface="+mn-ea"/>
+        <a:cs typeface="+mn-cs"/>
+      </a:defRPr>
+    </a:lvl8pPr>
+    <a:lvl9pPr marL="3657600" algn="l" defTabSz="914400" rtl="0" eaLnBrk="1" latinLnBrk="0" hangingPunct="1">
+      <a:defRPr sz="1200" kern="1200">
+        <a:solidFill>
+          <a:schemeClr val="tx1"/>
+        </a:solidFill>
+        <a:latin typeface="+mn-lt"/>
+        <a:ea typeface="+mn-ea"/>
+        <a:cs typeface="+mn-cs"/>
+      </a:defRPr>
+    </a:lvl9pPr>
+  </p:notesStyle>
+</p:notesMaster>
+</file>
+
+<file path=ppt/notesSlides/notesSlide1.xml><?xml version="1.0" encoding="utf-8"?>
+<p:notes xmlns:a="http://schemas.openxmlformats.org/drawingml/2006/main" xmlns:r="http://schemas.openxmlformats.org/officeDocument/2006/relationships" xmlns:p="http://schemas.openxmlformats.org/presentationml/2006/main">
+  <p:cSld>
+    <p:spTree>
+      <p:nvGrpSpPr>
+        <p:cNvPr id="1" name=""/>
+        <p:cNvGrpSpPr/>
+        <p:nvPr/>
+      </p:nvGrpSpPr>
+      <p:grpSpPr>
+        <a:xfrm>
+          <a:off x="0" y="0"/>
+          <a:ext cx="0" cy="0"/>
+          <a:chOff x="0" y="0"/>
+          <a:chExt cx="0" cy="0"/>
+        </a:xfrm>
+      </p:grpSpPr>
+      <p:sp>
+        <p:nvSpPr>
+          <p:cNvPr id="2" name="Slide Image Placeholder 1"/>
+          <p:cNvSpPr>
+            <a:spLocks noGrp="1" noRot="1" noChangeAspect="1"/>
+          </p:cNvSpPr>
+          <p:nvPr>
+            <p:ph type="sldImg"/>
+          </p:nvPr>
+        </p:nvSpPr>
+        <p:spPr/>
+      </p:sp>
+      <p:sp>
+        <p:nvSpPr>
+          <p:cNvPr id="3" name="Notes Placeholder 2"/>
+          <p:cNvSpPr>
+            <a:spLocks noGrp="1"/>
+          </p:cNvSpPr>
+          <p:nvPr>
+            <p:ph type="body" idx="1"/>
+          </p:nvPr>
+        </p:nvSpPr>
+        <p:spPr/>
+        <p:txBody>
+          <a:bodyPr/>
+          <a:lstStyle/>
+          <a:p>
+            <a:endParaRPr lang="en-US"/>
+          </a:p>
+        </p:txBody>
+      </p:sp>
+      <p:sp>
+        <p:nvSpPr>
+          <p:cNvPr id="4" name="Slide Number Placeholder 3"/>
+          <p:cNvSpPr>
+            <a:spLocks noGrp="1"/>
+          </p:cNvSpPr>
+          <p:nvPr>
+            <p:ph type="sldNum" sz="quarter" idx="10"/>
+          </p:nvPr>
+        </p:nvSpPr>
+        <p:spPr/>
+        <p:txBody>
+          <a:bodyPr/>
+          <a:lstStyle/>
+          <a:p>
+            <a:fld id="{443FAA25-0838-4A64-B04C-D6739AF6CB52}" type="slidenum">
+              <a:rPr lang="en-US" smtClean="0"/>
+              <a:t>1</a:t>
+            </a:fld>
+            <a:endParaRPr lang="en-US"/>
+          </a:p>
+        </p:txBody>
+      </p:sp>
+    </p:spTree>
+    <p:extLst>
+      <p:ext uri="{BB962C8B-B14F-4D97-AF65-F5344CB8AC3E}">
+        <p14:creationId xmlns:p14="http://schemas.microsoft.com/office/powerpoint/2010/main" val="1478991922"/>
+      </p:ext>
+    </p:extLst>
+  </p:cSld>
+  <p:clrMapOvr>
+    <a:masterClrMapping/>
+  </p:clrMapOvr>
+</p:notes>
+</file>
+
+<file path=ppt/notesSlides/notesSlide2.xml><?xml version="1.0" encoding="utf-8"?>
+<p:notes xmlns:a="http://schemas.openxmlformats.org/drawingml/2006/main" xmlns:r="http://schemas.openxmlformats.org/officeDocument/2006/relationships" xmlns:p="http://schemas.openxmlformats.org/presentationml/2006/main">
+  <p:cSld>
+    <p:spTree>
+      <p:nvGrpSpPr>
+        <p:cNvPr id="1" name=""/>
+        <p:cNvGrpSpPr/>
+        <p:nvPr/>
+      </p:nvGrpSpPr>
+      <p:grpSpPr>
+        <a:xfrm>
+          <a:off x="0" y="0"/>
+          <a:ext cx="0" cy="0"/>
+          <a:chOff x="0" y="0"/>
+          <a:chExt cx="0" cy="0"/>
+        </a:xfrm>
+      </p:grpSpPr>
+      <p:sp>
+        <p:nvSpPr>
+          <p:cNvPr id="2" name="Slide Image Placeholder 1"/>
+          <p:cNvSpPr>
+            <a:spLocks noGrp="1" noRot="1" noChangeAspect="1"/>
+          </p:cNvSpPr>
+          <p:nvPr>
+            <p:ph type="sldImg"/>
+          </p:nvPr>
+        </p:nvSpPr>
+        <p:spPr/>
+      </p:sp>
+      <p:sp>
+        <p:nvSpPr>
+          <p:cNvPr id="3" name="Notes Placeholder 2"/>
+          <p:cNvSpPr>
+            <a:spLocks noGrp="1"/>
+          </p:cNvSpPr>
+          <p:nvPr>
+            <p:ph type="body" idx="1"/>
+          </p:nvPr>
+        </p:nvSpPr>
+        <p:spPr/>
+        <p:txBody>
+          <a:bodyPr/>
+          <a:lstStyle/>
+          <a:p>
+            <a:endParaRPr lang="en-US"/>
+          </a:p>
+        </p:txBody>
+      </p:sp>
+      <p:sp>
+        <p:nvSpPr>
+          <p:cNvPr id="4" name="Slide Number Placeholder 3"/>
+          <p:cNvSpPr>
+            <a:spLocks noGrp="1"/>
+          </p:cNvSpPr>
+          <p:nvPr>
+            <p:ph type="sldNum" sz="quarter" idx="10"/>
+          </p:nvPr>
+        </p:nvSpPr>
+        <p:spPr/>
+        <p:txBody>
+          <a:bodyPr/>
+          <a:lstStyle/>
+          <a:p>
+            <a:fld id="{443FAA25-0838-4A64-B04C-D6739AF6CB52}" type="slidenum">
+              <a:rPr lang="en-US" smtClean="0"/>
+              <a:t>2</a:t>
+            </a:fld>
+            <a:endParaRPr lang="en-US"/>
+          </a:p>
+        </p:txBody>
+      </p:sp>
+    </p:spTree>
+    <p:extLst>
+      <p:ext uri="{BB962C8B-B14F-4D97-AF65-F5344CB8AC3E}">
+        <p14:creationId xmlns:p14="http://schemas.microsoft.com/office/powerpoint/2010/main" val="104414802"/>
+      </p:ext>
+    </p:extLst>
+  </p:cSld>
+  <p:clrMapOvr>
+    <a:masterClrMapping/>
+  </p:clrMapOvr>
+</p:notes>
+</file>
+
+<file path=ppt/notesSlides/notesSlide3.xml><?xml version="1.0" encoding="utf-8"?>
+<p:notes xmlns:a="http://schemas.openxmlformats.org/drawingml/2006/main" xmlns:r="http://schemas.openxmlformats.org/officeDocument/2006/relationships" xmlns:p="http://schemas.openxmlformats.org/presentationml/2006/main">
+  <p:cSld>
+    <p:spTree>
+      <p:nvGrpSpPr>
+        <p:cNvPr id="1" name=""/>
+        <p:cNvGrpSpPr/>
+        <p:nvPr/>
+      </p:nvGrpSpPr>
+      <p:grpSpPr>
+        <a:xfrm>
+          <a:off x="0" y="0"/>
+          <a:ext cx="0" cy="0"/>
+          <a:chOff x="0" y="0"/>
+          <a:chExt cx="0" cy="0"/>
+        </a:xfrm>
+      </p:grpSpPr>
+      <p:sp>
+        <p:nvSpPr>
+          <p:cNvPr id="2" name="Slide Image Placeholder 1"/>
+          <p:cNvSpPr>
+            <a:spLocks noGrp="1" noRot="1" noChangeAspect="1"/>
+          </p:cNvSpPr>
+          <p:nvPr>
+            <p:ph type="sldImg"/>
+          </p:nvPr>
+        </p:nvSpPr>
+        <p:spPr/>
+      </p:sp>
+      <p:sp>
+        <p:nvSpPr>
+          <p:cNvPr id="3" name="Notes Placeholder 2"/>
+          <p:cNvSpPr>
+            <a:spLocks noGrp="1"/>
+          </p:cNvSpPr>
+          <p:nvPr>
+            <p:ph type="body" idx="1"/>
+          </p:nvPr>
+        </p:nvSpPr>
+        <p:spPr/>
+        <p:txBody>
+          <a:bodyPr/>
+          <a:lstStyle/>
+          <a:p>
+            <a:endParaRPr lang="en-US"/>
+          </a:p>
+        </p:txBody>
+      </p:sp>
+      <p:sp>
+        <p:nvSpPr>
+          <p:cNvPr id="4" name="Slide Number Placeholder 3"/>
+          <p:cNvSpPr>
+            <a:spLocks noGrp="1"/>
+          </p:cNvSpPr>
+          <p:nvPr>
+            <p:ph type="sldNum" sz="quarter" idx="10"/>
+          </p:nvPr>
+        </p:nvSpPr>
+        <p:spPr/>
+        <p:txBody>
+          <a:bodyPr/>
+          <a:lstStyle/>
+          <a:p>
+            <a:fld id="{443FAA25-0838-4A64-B04C-D6739AF6CB52}" type="slidenum">
+              <a:rPr lang="en-US" smtClean="0"/>
+              <a:t>3</a:t>
+            </a:fld>
+            <a:endParaRPr lang="en-US"/>
+          </a:p>
+        </p:txBody>
+      </p:sp>
+    </p:spTree>
+    <p:extLst>
+      <p:ext uri="{BB962C8B-B14F-4D97-AF65-F5344CB8AC3E}">
+        <p14:creationId xmlns:p14="http://schemas.microsoft.com/office/powerpoint/2010/main" val="1052789442"/>
+      </p:ext>
+    </p:extLst>
+  </p:cSld>
+  <p:clrMapOvr>
+    <a:masterClrMapping/>
+  </p:clrMapOvr>
+</p:notes>
+</file>
+
+<file path=ppt/notesSlides/notesSlide4.xml><?xml version="1.0" encoding="utf-8"?>
+<p:notes xmlns:a="http://schemas.openxmlformats.org/drawingml/2006/main" xmlns:r="http://schemas.openxmlformats.org/officeDocument/2006/relationships" xmlns:p="http://schemas.openxmlformats.org/presentationml/2006/main">
+  <p:cSld>
+    <p:spTree>
+      <p:nvGrpSpPr>
+        <p:cNvPr id="1" name=""/>
+        <p:cNvGrpSpPr/>
+        <p:nvPr/>
+      </p:nvGrpSpPr>
+      <p:grpSpPr>
+        <a:xfrm>
+          <a:off x="0" y="0"/>
+          <a:ext cx="0" cy="0"/>
+          <a:chOff x="0" y="0"/>
+          <a:chExt cx="0" cy="0"/>
+        </a:xfrm>
+      </p:grpSpPr>
+      <p:sp>
+        <p:nvSpPr>
+          <p:cNvPr id="2" name="Slide Image Placeholder 1"/>
+          <p:cNvSpPr>
+            <a:spLocks noGrp="1" noRot="1" noChangeAspect="1"/>
+          </p:cNvSpPr>
+          <p:nvPr>
+            <p:ph type="sldImg"/>
+          </p:nvPr>
+        </p:nvSpPr>
+        <p:spPr/>
+      </p:sp>
+      <p:sp>
+        <p:nvSpPr>
+          <p:cNvPr id="3" name="Notes Placeholder 2"/>
+          <p:cNvSpPr>
+            <a:spLocks noGrp="1"/>
+          </p:cNvSpPr>
+          <p:nvPr>
+            <p:ph type="body" idx="1"/>
+          </p:nvPr>
+        </p:nvSpPr>
+        <p:spPr/>
+        <p:txBody>
+          <a:bodyPr/>
+          <a:lstStyle/>
+          <a:p>
+            <a:endParaRPr lang="en-US"/>
+          </a:p>
+        </p:txBody>
+      </p:sp>
+      <p:sp>
+        <p:nvSpPr>
+          <p:cNvPr id="4" name="Slide Number Placeholder 3"/>
+          <p:cNvSpPr>
+            <a:spLocks noGrp="1"/>
+          </p:cNvSpPr>
+          <p:nvPr>
+            <p:ph type="sldNum" sz="quarter" idx="10"/>
+          </p:nvPr>
+        </p:nvSpPr>
+        <p:spPr/>
+        <p:txBody>
+          <a:bodyPr/>
+          <a:lstStyle/>
+          <a:p>
+            <a:fld id="{443FAA25-0838-4A64-B04C-D6739AF6CB52}" type="slidenum">
+              <a:rPr lang="en-US" smtClean="0"/>
+              <a:t>4</a:t>
+            </a:fld>
+            <a:endParaRPr lang="en-US"/>
+          </a:p>
+        </p:txBody>
+      </p:sp>
+    </p:spTree>
+    <p:extLst>
+      <p:ext uri="{BB962C8B-B14F-4D97-AF65-F5344CB8AC3E}">
+        <p14:creationId xmlns:p14="http://schemas.microsoft.com/office/powerpoint/2010/main" val="2148413279"/>
+      </p:ext>
+    </p:extLst>
+  </p:cSld>
+  <p:clrMapOvr>
+    <a:masterClrMapping/>
+  </p:clrMapOvr>
+</p:notes>
+</file>
+
+<file path=ppt/notesSlides/notesSlide5.xml><?xml version="1.0" encoding="utf-8"?>
+<p:notes xmlns:a="http://schemas.openxmlformats.org/drawingml/2006/main" xmlns:r="http://schemas.openxmlformats.org/officeDocument/2006/relationships" xmlns:p="http://schemas.openxmlformats.org/presentationml/2006/main">
+  <p:cSld>
+    <p:spTree>
+      <p:nvGrpSpPr>
+        <p:cNvPr id="1" name=""/>
+        <p:cNvGrpSpPr/>
+        <p:nvPr/>
+      </p:nvGrpSpPr>
+      <p:grpSpPr>
+        <a:xfrm>
+          <a:off x="0" y="0"/>
+          <a:ext cx="0" cy="0"/>
+          <a:chOff x="0" y="0"/>
+          <a:chExt cx="0" cy="0"/>
+        </a:xfrm>
+      </p:grpSpPr>
+      <p:sp>
+        <p:nvSpPr>
+          <p:cNvPr id="2" name="Slide Image Placeholder 1"/>
+          <p:cNvSpPr>
+            <a:spLocks noGrp="1" noRot="1" noChangeAspect="1"/>
+          </p:cNvSpPr>
+          <p:nvPr>
+            <p:ph type="sldImg"/>
+          </p:nvPr>
+        </p:nvSpPr>
+        <p:spPr/>
+      </p:sp>
+      <p:sp>
+        <p:nvSpPr>
+          <p:cNvPr id="3" name="Notes Placeholder 2"/>
+          <p:cNvSpPr>
+            <a:spLocks noGrp="1"/>
+          </p:cNvSpPr>
+          <p:nvPr>
+            <p:ph type="body" idx="1"/>
+          </p:nvPr>
+        </p:nvSpPr>
+        <p:spPr/>
+        <p:txBody>
+          <a:bodyPr/>
+          <a:lstStyle/>
+          <a:p>
+            <a:endParaRPr lang="en-US"/>
+          </a:p>
+        </p:txBody>
+      </p:sp>
+      <p:sp>
+        <p:nvSpPr>
+          <p:cNvPr id="4" name="Slide Number Placeholder 3"/>
+          <p:cNvSpPr>
+            <a:spLocks noGrp="1"/>
+          </p:cNvSpPr>
+          <p:nvPr>
+            <p:ph type="sldNum" sz="quarter" idx="10"/>
+          </p:nvPr>
+        </p:nvSpPr>
+        <p:spPr/>
+        <p:txBody>
+          <a:bodyPr/>
+          <a:lstStyle/>
+          <a:p>
+            <a:fld id="{443FAA25-0838-4A64-B04C-D6739AF6CB52}" type="slidenum">
+              <a:rPr lang="en-US" smtClean="0"/>
+              <a:t>5</a:t>
+            </a:fld>
+            <a:endParaRPr lang="en-US"/>
+          </a:p>
+        </p:txBody>
+      </p:sp>
+    </p:spTree>
+    <p:extLst>
+      <p:ext uri="{BB962C8B-B14F-4D97-AF65-F5344CB8AC3E}">
+        <p14:creationId xmlns:p14="http://schemas.microsoft.com/office/powerpoint/2010/main" val="1966486671"/>
+      </p:ext>
+    </p:extLst>
+  </p:cSld>
+  <p:clrMapOvr>
+    <a:masterClrMapping/>
+  </p:clrMapOvr>
+</p:notes>
+</file>
+
+<file path=ppt/notesSlides/notesSlide6.xml><?xml version="1.0" encoding="utf-8"?>
+<p:notes xmlns:a="http://schemas.openxmlformats.org/drawingml/2006/main" xmlns:r="http://schemas.openxmlformats.org/officeDocument/2006/relationships" xmlns:p="http://schemas.openxmlformats.org/presentationml/2006/main">
+  <p:cSld>
+    <p:spTree>
+      <p:nvGrpSpPr>
+        <p:cNvPr id="1" name=""/>
+        <p:cNvGrpSpPr/>
+        <p:nvPr/>
+      </p:nvGrpSpPr>
+      <p:grpSpPr>
+        <a:xfrm>
+          <a:off x="0" y="0"/>
+          <a:ext cx="0" cy="0"/>
+          <a:chOff x="0" y="0"/>
+          <a:chExt cx="0" cy="0"/>
+        </a:xfrm>
+      </p:grpSpPr>
+      <p:sp>
+        <p:nvSpPr>
+          <p:cNvPr id="2" name="Slide Image Placeholder 1"/>
+          <p:cNvSpPr>
+            <a:spLocks noGrp="1" noRot="1" noChangeAspect="1"/>
+          </p:cNvSpPr>
+          <p:nvPr>
+            <p:ph type="sldImg"/>
+          </p:nvPr>
+        </p:nvSpPr>
+        <p:spPr/>
+      </p:sp>
+      <p:sp>
+        <p:nvSpPr>
+          <p:cNvPr id="3" name="Notes Placeholder 2"/>
+          <p:cNvSpPr>
+            <a:spLocks noGrp="1"/>
+          </p:cNvSpPr>
+          <p:nvPr>
+            <p:ph type="body" idx="1"/>
+          </p:nvPr>
+        </p:nvSpPr>
+        <p:spPr/>
+        <p:txBody>
+          <a:bodyPr/>
+          <a:lstStyle/>
+          <a:p>
+            <a:endParaRPr lang="en-US"/>
+          </a:p>
+        </p:txBody>
+      </p:sp>
+      <p:sp>
+        <p:nvSpPr>
+          <p:cNvPr id="4" name="Slide Number Placeholder 3"/>
+          <p:cNvSpPr>
+            <a:spLocks noGrp="1"/>
+          </p:cNvSpPr>
+          <p:nvPr>
+            <p:ph type="sldNum" sz="quarter" idx="10"/>
+          </p:nvPr>
+        </p:nvSpPr>
+        <p:spPr/>
+        <p:txBody>
+          <a:bodyPr/>
+          <a:lstStyle/>
+          <a:p>
+            <a:fld id="{443FAA25-0838-4A64-B04C-D6739AF6CB52}" type="slidenum">
+              <a:rPr lang="en-US" smtClean="0"/>
+              <a:t>6</a:t>
+            </a:fld>
+            <a:endParaRPr lang="en-US"/>
+          </a:p>
+        </p:txBody>
+      </p:sp>
+    </p:spTree>
+    <p:extLst>
+      <p:ext uri="{BB962C8B-B14F-4D97-AF65-F5344CB8AC3E}">
+        <p14:creationId xmlns:p14="http://schemas.microsoft.com/office/powerpoint/2010/main" val="3713149770"/>
+      </p:ext>
+    </p:extLst>
+  </p:cSld>
+  <p:clrMapOvr>
+    <a:masterClrMapping/>
+  </p:clrMapOvr>
+</p:notes>
 </file>
 
 <file path=ppt/slideLayouts/slideLayout1.xml><?xml version="1.0" encoding="utf-8"?>
@@ -3958,9 +4815,26 @@
           <a:lstStyle/>
           <a:p>
             <a:r>
+              <a:rPr lang="en-US" dirty="0" err="1" smtClean="0"/>
+              <a:t>Rikai</a:t>
+            </a:r>
+            <a:r>
+              <a:rPr lang="en-US" dirty="0" smtClean="0"/>
+              <a:t>-kun/-</a:t>
+            </a:r>
+            <a:r>
+              <a:rPr lang="en-US" dirty="0" err="1"/>
+              <a:t>chan</a:t>
+            </a:r>
+            <a:r>
               <a:rPr lang="en-US" dirty="0"/>
-              <a:t>Water (bottles)</a:t>
-            </a:r>
+              <a:t>/-</a:t>
+            </a:r>
+            <a:r>
+              <a:rPr lang="en-US" dirty="0" err="1"/>
+              <a:t>sama</a:t>
+            </a:r>
+            <a:endParaRPr lang="en-US" dirty="0"/>
           </a:p>
         </p:txBody>
       </p:sp>
@@ -3977,70 +4851,106 @@
         <p:spPr>
           <a:xfrm>
             <a:off x="1371600" y="1850571"/>
-            <a:ext cx="5029200" cy="4016829"/>
+            <a:ext cx="5029200" cy="4507367"/>
           </a:xfrm>
         </p:spPr>
         <p:txBody>
           <a:bodyPr>
-            <a:normAutofit fontScale="85000" lnSpcReduction="10000"/>
+            <a:normAutofit fontScale="92500" lnSpcReduction="20000"/>
           </a:bodyPr>
           <a:lstStyle/>
           <a:p>
             <a:r>
               <a:rPr lang="en-US" dirty="0" smtClean="0"/>
-              <a:t>Focus on transparent </a:t>
+              <a:t>Translates Japanese into English by hovering over </a:t>
+            </a:r>
+            <a:r>
+              <a:rPr lang="en-US" dirty="0" smtClean="0"/>
+              <a:t>words; adds an inline frame over current frame</a:t>
+            </a:r>
+            <a:endParaRPr lang="en-US" dirty="0" smtClean="0"/>
+          </a:p>
+          <a:p>
+            <a:r>
+              <a:rPr lang="en-US" dirty="0" smtClean="0"/>
+              <a:t>Firefox original (-</a:t>
+            </a:r>
+            <a:r>
+              <a:rPr lang="en-US" dirty="0" err="1" smtClean="0"/>
+              <a:t>chan</a:t>
+            </a:r>
+            <a:r>
+              <a:rPr lang="en-US" dirty="0" smtClean="0"/>
+              <a:t>)</a:t>
+            </a:r>
+          </a:p>
+          <a:p>
+            <a:pPr lvl="1"/>
+            <a:r>
+              <a:rPr lang="en-US" dirty="0" smtClean="0"/>
+              <a:t>Ports for Chrome (-kun), Explorer (-</a:t>
+            </a:r>
+            <a:r>
+              <a:rPr lang="en-US" dirty="0" err="1" smtClean="0"/>
+              <a:t>sama</a:t>
             </a:r>
             <a:r>
               <a:rPr lang="en-US" dirty="0"/>
-              <a:t>water/beverage </a:t>
-            </a:r>
+              <a:t>)</a:t>
+            </a:r>
+            <a:endParaRPr lang="en-US" dirty="0" smtClean="0"/>
+          </a:p>
+          <a:p>
             <a:r>
               <a:rPr lang="en-US" dirty="0" smtClean="0"/>
-              <a:t>bottles (as opposed to colored drinks like iced tea or Coke)</a:t>
-            </a:r>
-          </a:p>
-          <a:p>
+              <a:t>Developed by Todd David </a:t>
+            </a:r>
+            <a:r>
+              <a:rPr lang="en-US" dirty="0" err="1" smtClean="0"/>
+              <a:t>Rudick</a:t>
+            </a:r>
             <a:r>
               <a:rPr lang="en-US" dirty="0" smtClean="0"/>
-              <a:t>Refracts the image through the water</a:t>
-            </a:r>
-          </a:p>
-          <a:p>
+              <a:t>; Chrome port created by </a:t>
+            </a:r>
+            <a:r>
+              <a:rPr lang="en-US" dirty="0" err="1" smtClean="0"/>
+              <a:t>Erek</a:t>
+            </a:r>
             <a:r>
               <a:rPr lang="en-US" dirty="0" smtClean="0"/>
-              <a:t>May distort image significantly, effectively hiding image behind water</a:t>
+              <a:t> Speed</a:t>
             </a:r>
           </a:p>
           <a:p>
             <a:pPr lvl="1"/>
             <a:r>
               <a:rPr lang="en-US" dirty="0" smtClean="0"/>
-              <a:t>Voss + store background, Fiji water &amp; laptop keyboard</a:t>
+              <a:t>Both programmers from U.S. with graphic/game design experience in Japan</a:t>
             </a:r>
           </a:p>
           <a:p>
             <a:r>
               <a:rPr lang="en-US" dirty="0" smtClean="0"/>
-              <a:t>Provides a warped look, designed by nature</a:t>
+              <a:t>Personally, it has helped my Japanese improve greatly</a:t>
             </a:r>
           </a:p>
           <a:p>
             <a:r>
               <a:rPr lang="en-US" dirty="0" smtClean="0"/>
-              <a:t>Artificial equivalent may be prescription glasses</a:t>
-            </a:r>
-          </a:p>
-          <a:p>
+              <a:t>The efficiency is </a:t>
+            </a:r>
             <a:r>
               <a:rPr lang="en-US" dirty="0" smtClean="0"/>
-              <a:t>Similar, but different, overlay can be observed in water splashes</a:t>
-            </a:r>
-          </a:p>
-          <a:p>
-            <a:pPr lvl="1"/>
+              <a:t>unmatched due to its inline nature </a:t>
+            </a:r>
             <a:r>
               <a:rPr lang="en-US" dirty="0" smtClean="0"/>
-              <a:t>Room splash, post-rain</a:t>
+              <a:t>(no need to keep opening a separate online dictionary</a:t>
+            </a:r>
+            <a:r>
+              <a:rPr lang="en-US" dirty="0" smtClean="0"/>
+              <a:t>)</a:t>
             </a:r>
             <a:endParaRPr lang="en-US" dirty="0"/>
           </a:p>
@@ -4059,29 +4969,28 @@
             <p:ph sz="half" idx="2"/>
           </p:nvPr>
         </p:nvPicPr>
-        <p:blipFill>
-          <a:blip r:embed="rId2">
+        <p:blipFill rotWithShape="1">
+          <a:blip r:embed="rId3">
             <a:extLst>
               <a:ext uri="{28A0092B-C50C-407E-A947-70E740481C1C}">
                 <a14:useLocalDpi xmlns:a14="http://schemas.microsoft.com/office/drawing/2010/main" val="0"/>
               </a:ext>
             </a:extLst>
           </a:blip>
-          <a:stretch>
-            <a:fillRect/>
-          </a:stretch>
+          <a:srcRect l="16901" t="-327" r="7103" b="327"/>
+          <a:stretch/>
         </p:blipFill>
         <p:spPr>
           <a:xfrm>
-            <a:off x="7047130" y="2286000"/>
-            <a:ext cx="3403165" cy="3581400"/>
+            <a:off x="7235598" y="2171700"/>
+            <a:ext cx="4484915" cy="3326883"/>
           </a:xfrm>
         </p:spPr>
       </p:pic>
     </p:spTree>
     <p:extLst>
       <p:ext uri="{BB962C8B-B14F-4D97-AF65-F5344CB8AC3E}">
-        <p14:creationId xmlns:p14="http://schemas.microsoft.com/office/powerpoint/2010/main" val="2384049020"/>
+        <p14:creationId xmlns:p14="http://schemas.microsoft.com/office/powerpoint/2010/main" val="1094463749"/>
       </p:ext>
     </p:extLst>
   </p:cSld>
@@ -4115,6 +5024,29 @@
           <a:chExt cx="0" cy="0"/>
         </a:xfrm>
       </p:grpSpPr>
+      <p:sp>
+        <p:nvSpPr>
+          <p:cNvPr id="2" name="Title 1"/>
+          <p:cNvSpPr>
+            <a:spLocks noGrp="1"/>
+          </p:cNvSpPr>
+          <p:nvPr>
+            <p:ph type="title"/>
+          </p:nvPr>
+        </p:nvSpPr>
+        <p:spPr/>
+        <p:txBody>
+          <a:bodyPr/>
+          <a:lstStyle/>
+          <a:p>
+            <a:r>
+              <a:rPr lang="en-US" dirty="0" smtClean="0"/>
+              <a:t>Light and Shadow</a:t>
+            </a:r>
+            <a:endParaRPr lang="en-US" dirty="0"/>
+          </a:p>
+        </p:txBody>
+      </p:sp>
       <p:pic>
         <p:nvPicPr>
           <p:cNvPr id="5" name="Content Placeholder 4"/>
@@ -4126,183 +5058,7 @@
           </p:nvPr>
         </p:nvPicPr>
         <p:blipFill rotWithShape="1">
-          <a:blip r:embed="rId2" cstate="print">
-            <a:extLst>
-              <a:ext uri="{28A0092B-C50C-407E-A947-70E740481C1C}">
-                <a14:useLocalDpi xmlns:a14="http://schemas.microsoft.com/office/drawing/2010/main" val="0"/>
-              </a:ext>
-            </a:extLst>
-          </a:blip>
-          <a:srcRect l="13935" r="9486"/>
-          <a:stretch/>
-        </p:blipFill>
-        <p:spPr>
-          <a:xfrm rot="5400000">
-            <a:off x="6933341" y="3806777"/>
-            <a:ext cx="3368907" cy="2474564"/>
-          </a:xfrm>
-        </p:spPr>
-      </p:pic>
-      <p:pic>
-        <p:nvPicPr>
-          <p:cNvPr id="6" name="Content Placeholder 5"/>
-          <p:cNvPicPr>
-            <a:picLocks noGrp="1" noChangeAspect="1"/>
-          </p:cNvPicPr>
-          <p:nvPr>
-            <p:ph sz="half" idx="2"/>
-          </p:nvPr>
-        </p:nvPicPr>
-        <p:blipFill>
-          <a:blip r:embed="rId3">
-            <a:extLst>
-              <a:ext uri="{28A0092B-C50C-407E-A947-70E740481C1C}">
-                <a14:useLocalDpi xmlns:a14="http://schemas.microsoft.com/office/drawing/2010/main" val="0"/>
-              </a:ext>
-            </a:extLst>
-          </a:blip>
-          <a:stretch>
-            <a:fillRect/>
-          </a:stretch>
-        </p:blipFill>
-        <p:spPr>
-          <a:xfrm>
-            <a:off x="2064587" y="224520"/>
-            <a:ext cx="3135085" cy="3135085"/>
-          </a:xfrm>
-        </p:spPr>
-      </p:pic>
-      <p:pic>
-        <p:nvPicPr>
-          <p:cNvPr id="9" name="Picture 8"/>
-          <p:cNvPicPr>
-            <a:picLocks noChangeAspect="1"/>
-          </p:cNvPicPr>
-          <p:nvPr/>
-        </p:nvPicPr>
-        <p:blipFill rotWithShape="1">
-          <a:blip r:embed="rId4" cstate="print">
-            <a:extLst>
-              <a:ext uri="{28A0092B-C50C-407E-A947-70E740481C1C}">
-                <a14:useLocalDpi xmlns:a14="http://schemas.microsoft.com/office/drawing/2010/main" val="0"/>
-              </a:ext>
-            </a:extLst>
-          </a:blip>
-          <a:srcRect l="9363" r="12752"/>
-          <a:stretch/>
-        </p:blipFill>
-        <p:spPr>
-          <a:xfrm>
-            <a:off x="6861487" y="224520"/>
-            <a:ext cx="4180112" cy="3018970"/>
-          </a:xfrm>
-          <a:prstGeom prst="rect">
-            <a:avLst/>
-          </a:prstGeom>
-        </p:spPr>
-      </p:pic>
-      <p:pic>
-        <p:nvPicPr>
-          <p:cNvPr id="10" name="Picture 9"/>
-          <p:cNvPicPr>
-            <a:picLocks noChangeAspect="1"/>
-          </p:cNvPicPr>
-          <p:nvPr/>
-        </p:nvPicPr>
-        <p:blipFill>
-          <a:blip r:embed="rId5" cstate="print">
-            <a:extLst>
-              <a:ext uri="{28A0092B-C50C-407E-A947-70E740481C1C}">
-                <a14:useLocalDpi xmlns:a14="http://schemas.microsoft.com/office/drawing/2010/main" val="0"/>
-              </a:ext>
-            </a:extLst>
-          </a:blip>
-          <a:stretch>
-            <a:fillRect/>
-          </a:stretch>
-        </p:blipFill>
-        <p:spPr>
-          <a:xfrm>
-            <a:off x="2358502" y="4009061"/>
-            <a:ext cx="3795414" cy="2379547"/>
-          </a:xfrm>
-          <a:prstGeom prst="rect">
-            <a:avLst/>
-          </a:prstGeom>
-        </p:spPr>
-      </p:pic>
-    </p:spTree>
-    <p:extLst>
-      <p:ext uri="{BB962C8B-B14F-4D97-AF65-F5344CB8AC3E}">
-        <p14:creationId xmlns:p14="http://schemas.microsoft.com/office/powerpoint/2010/main" val="3039242360"/>
-      </p:ext>
-    </p:extLst>
-  </p:cSld>
-  <p:clrMapOvr>
-    <a:masterClrMapping/>
-  </p:clrMapOvr>
-  <p:timing>
-    <p:tnLst>
-      <p:par>
-        <p:cTn id="1" dur="indefinite" restart="never" nodeType="tmRoot"/>
-      </p:par>
-    </p:tnLst>
-  </p:timing>
-</p:sld>
-</file>
-
-<file path=ppt/slides/slide4.xml><?xml version="1.0" encoding="utf-8"?>
-<p:sld xmlns:a="http://schemas.openxmlformats.org/drawingml/2006/main" xmlns:r="http://schemas.openxmlformats.org/officeDocument/2006/relationships" xmlns:p="http://schemas.openxmlformats.org/presentationml/2006/main">
-  <p:cSld>
-    <p:spTree>
-      <p:nvGrpSpPr>
-        <p:cNvPr id="1" name=""/>
-        <p:cNvGrpSpPr/>
-        <p:nvPr/>
-      </p:nvGrpSpPr>
-      <p:grpSpPr>
-        <a:xfrm>
-          <a:off x="0" y="0"/>
-          <a:ext cx="0" cy="0"/>
-          <a:chOff x="0" y="0"/>
-          <a:chExt cx="0" cy="0"/>
-        </a:xfrm>
-      </p:grpSpPr>
-      <p:sp>
-        <p:nvSpPr>
-          <p:cNvPr id="2" name="Title 1"/>
-          <p:cNvSpPr>
-            <a:spLocks noGrp="1"/>
-          </p:cNvSpPr>
-          <p:nvPr>
-            <p:ph type="title"/>
-          </p:nvPr>
-        </p:nvSpPr>
-        <p:spPr/>
-        <p:txBody>
-          <a:bodyPr/>
-          <a:lstStyle/>
-          <a:p>
-            <a:r>
-              <a:rPr lang="en-US" dirty="0" smtClean="0"/>
-              <a:t>Light and Shadow</a:t>
-            </a:r>
-            <a:endParaRPr lang="en-US" dirty="0"/>
-          </a:p>
-        </p:txBody>
-      </p:sp>
-      <p:pic>
-        <p:nvPicPr>
-          <p:cNvPr id="5" name="Content Placeholder 4"/>
-          <p:cNvPicPr>
-            <a:picLocks noGrp="1" noChangeAspect="1"/>
-          </p:cNvPicPr>
-          <p:nvPr>
-            <p:ph sz="half" idx="1"/>
-          </p:nvPr>
-        </p:nvPicPr>
-        <p:blipFill rotWithShape="1">
-          <a:blip r:embed="rId2" cstate="print">
+          <a:blip r:embed="rId3" cstate="print">
             <a:extLst>
               <a:ext uri="{28A0092B-C50C-407E-A947-70E740481C1C}">
                 <a14:useLocalDpi xmlns:a14="http://schemas.microsoft.com/office/drawing/2010/main" val="0"/>
@@ -4330,7 +5086,7 @@
           </p:nvPr>
         </p:nvPicPr>
         <p:blipFill rotWithShape="1">
-          <a:blip r:embed="rId3" cstate="print">
+          <a:blip r:embed="rId4" cstate="print">
             <a:extLst>
               <a:ext uri="{28A0092B-C50C-407E-A947-70E740481C1C}">
                 <a14:useLocalDpi xmlns:a14="http://schemas.microsoft.com/office/drawing/2010/main" val="0"/>
@@ -4366,7 +5122,7 @@
         </p:spPr>
         <p:txBody>
           <a:bodyPr vert="horz" lIns="91440" tIns="45720" rIns="91440" bIns="45720" rtlCol="0">
-            <a:normAutofit lnSpcReduction="10000"/>
+            <a:normAutofit fontScale="85000" lnSpcReduction="10000"/>
           </a:bodyPr>
           <a:lstStyle>
             <a:lvl1pPr marL="384048" indent="-384048" algn="l" defTabSz="914400" rtl="0" eaLnBrk="1" latinLnBrk="0" hangingPunct="1">
@@ -4569,14 +5325,45 @@
           <a:p>
             <a:r>
               <a:rPr lang="en-US" dirty="0" smtClean="0"/>
-              <a:t>Source of light can be natural/artificial</a:t>
-            </a:r>
-          </a:p>
-          <a:p>
+              <a:t>Source of light can be </a:t>
+            </a:r>
             <a:r>
               <a:rPr lang="en-US" dirty="0" smtClean="0"/>
-              <a:t>Objects “creating” the shadows can be natural/artificial</a:t>
-            </a:r>
+              <a:t>natural/artificial</a:t>
+            </a:r>
+          </a:p>
+          <a:p>
+            <a:pPr lvl="1"/>
+            <a:r>
+              <a:rPr lang="en-US" dirty="0" smtClean="0"/>
+              <a:t>The Sun vs light bulb</a:t>
+            </a:r>
+            <a:endParaRPr lang="en-US" dirty="0" smtClean="0"/>
+          </a:p>
+          <a:p>
+            <a:r>
+              <a:rPr lang="en-US" dirty="0" smtClean="0"/>
+              <a:t>Objects “creating” the shadows can be </a:t>
+            </a:r>
+            <a:r>
+              <a:rPr lang="en-US" dirty="0" smtClean="0"/>
+              <a:t>natural/artificial</a:t>
+            </a:r>
+          </a:p>
+          <a:p>
+            <a:pPr lvl="1"/>
+            <a:r>
+              <a:rPr lang="en-US" dirty="0" smtClean="0"/>
+              <a:t>Free-growing plants vs angled web-awning</a:t>
+            </a:r>
+            <a:endParaRPr lang="en-US" dirty="0" smtClean="0"/>
+          </a:p>
+          <a:p>
+            <a:r>
+              <a:rPr lang="en-US" dirty="0" smtClean="0"/>
+              <a:t>The edges/contrast can be stark or blurry</a:t>
+            </a:r>
+            <a:endParaRPr lang="en-US" dirty="0" smtClean="0"/>
           </a:p>
           <a:p>
             <a:r>
@@ -4587,8 +5374,29 @@
           <a:p>
             <a:r>
               <a:rPr lang="en-US" dirty="0" smtClean="0"/>
-              <a:t>Suggests the eternal debate between “light and darkness” throughout literature</a:t>
-            </a:r>
+              <a:t>Suggests the </a:t>
+            </a:r>
+            <a:r>
+              <a:rPr lang="en-US" dirty="0" smtClean="0"/>
+              <a:t>common theme seen throughout </a:t>
+            </a:r>
+            <a:r>
+              <a:rPr lang="en-US" dirty="0" smtClean="0"/>
+              <a:t>art &amp; literature </a:t>
+            </a:r>
+            <a:r>
+              <a:rPr lang="en-US" dirty="0" smtClean="0"/>
+              <a:t>between </a:t>
+            </a:r>
+            <a:r>
+              <a:rPr lang="en-US" dirty="0" smtClean="0"/>
+              <a:t>“light and darkness</a:t>
+            </a:r>
+            <a:r>
+              <a:rPr lang="en-US" dirty="0" smtClean="0"/>
+              <a:t>”</a:t>
+            </a:r>
+            <a:endParaRPr lang="en-US" dirty="0" smtClean="0"/>
           </a:p>
         </p:txBody>
       </p:sp>
@@ -4596,6 +5404,179 @@
     <p:extLst>
       <p:ext uri="{BB962C8B-B14F-4D97-AF65-F5344CB8AC3E}">
         <p14:creationId xmlns:p14="http://schemas.microsoft.com/office/powerpoint/2010/main" val="4166973102"/>
+      </p:ext>
+    </p:extLst>
+  </p:cSld>
+  <p:clrMapOvr>
+    <a:masterClrMapping/>
+  </p:clrMapOvr>
+  <p:timing>
+    <p:tnLst>
+      <p:par>
+        <p:cTn id="1" dur="indefinite" restart="never" nodeType="tmRoot"/>
+      </p:par>
+    </p:tnLst>
+  </p:timing>
+</p:sld>
+</file>
+
+<file path=ppt/slides/slide4.xml><?xml version="1.0" encoding="utf-8"?>
+<p:sld xmlns:a="http://schemas.openxmlformats.org/drawingml/2006/main" xmlns:r="http://schemas.openxmlformats.org/officeDocument/2006/relationships" xmlns:p="http://schemas.openxmlformats.org/presentationml/2006/main">
+  <p:cSld>
+    <p:spTree>
+      <p:nvGrpSpPr>
+        <p:cNvPr id="1" name=""/>
+        <p:cNvGrpSpPr/>
+        <p:nvPr/>
+      </p:nvGrpSpPr>
+      <p:grpSpPr>
+        <a:xfrm>
+          <a:off x="0" y="0"/>
+          <a:ext cx="0" cy="0"/>
+          <a:chOff x="0" y="0"/>
+          <a:chExt cx="0" cy="0"/>
+        </a:xfrm>
+      </p:grpSpPr>
+      <p:sp>
+        <p:nvSpPr>
+          <p:cNvPr id="2" name="Title 1"/>
+          <p:cNvSpPr>
+            <a:spLocks noGrp="1"/>
+          </p:cNvSpPr>
+          <p:nvPr>
+            <p:ph type="title"/>
+          </p:nvPr>
+        </p:nvSpPr>
+        <p:spPr/>
+        <p:txBody>
+          <a:bodyPr/>
+          <a:lstStyle/>
+          <a:p>
+            <a:r>
+              <a:rPr lang="en-US" dirty="0"/>
+              <a:t>Water (bottles)</a:t>
+            </a:r>
+          </a:p>
+        </p:txBody>
+      </p:sp>
+      <p:sp>
+        <p:nvSpPr>
+          <p:cNvPr id="3" name="Content Placeholder 2"/>
+          <p:cNvSpPr>
+            <a:spLocks noGrp="1"/>
+          </p:cNvSpPr>
+          <p:nvPr>
+            <p:ph sz="half" idx="1"/>
+          </p:nvPr>
+        </p:nvSpPr>
+        <p:spPr>
+          <a:xfrm>
+            <a:off x="1371600" y="1850571"/>
+            <a:ext cx="5029200" cy="4016829"/>
+          </a:xfrm>
+        </p:spPr>
+        <p:txBody>
+          <a:bodyPr>
+            <a:normAutofit fontScale="85000" lnSpcReduction="10000"/>
+          </a:bodyPr>
+          <a:lstStyle/>
+          <a:p>
+            <a:r>
+              <a:rPr lang="en-US" dirty="0" smtClean="0"/>
+              <a:t>Focus on transparent </a:t>
+            </a:r>
+            <a:r>
+              <a:rPr lang="en-US" dirty="0"/>
+              <a:t>water/beverage </a:t>
+            </a:r>
+            <a:r>
+              <a:rPr lang="en-US" dirty="0" smtClean="0"/>
+              <a:t>bottles (as opposed to colored drinks like iced tea or Coke)</a:t>
+            </a:r>
+          </a:p>
+          <a:p>
+            <a:r>
+              <a:rPr lang="en-US" dirty="0" smtClean="0"/>
+              <a:t>Refracts the image through the water</a:t>
+            </a:r>
+          </a:p>
+          <a:p>
+            <a:r>
+              <a:rPr lang="en-US" dirty="0" smtClean="0"/>
+              <a:t>May distort image significantly, effectively hiding image behind water</a:t>
+            </a:r>
+          </a:p>
+          <a:p>
+            <a:pPr lvl="1"/>
+            <a:r>
+              <a:rPr lang="en-US" dirty="0" smtClean="0"/>
+              <a:t>Voss + store background, Fiji water &amp; laptop keyboard</a:t>
+            </a:r>
+          </a:p>
+          <a:p>
+            <a:r>
+              <a:rPr lang="en-US" dirty="0" smtClean="0"/>
+              <a:t>Provides a warped look, designed by nature</a:t>
+            </a:r>
+          </a:p>
+          <a:p>
+            <a:r>
+              <a:rPr lang="en-US" dirty="0" smtClean="0"/>
+              <a:t>Artificial equivalent may be prescription glasses</a:t>
+            </a:r>
+          </a:p>
+          <a:p>
+            <a:r>
+              <a:rPr lang="en-US" dirty="0" smtClean="0"/>
+              <a:t>Similar, but different, overlay can be observed in water splashes</a:t>
+            </a:r>
+          </a:p>
+          <a:p>
+            <a:pPr lvl="1"/>
+            <a:r>
+              <a:rPr lang="en-US" dirty="0" smtClean="0"/>
+              <a:t>Room splash, post-rain</a:t>
+            </a:r>
+            <a:endParaRPr lang="en-US" dirty="0"/>
+          </a:p>
+          <a:p>
+            <a:endParaRPr lang="en-US" dirty="0"/>
+          </a:p>
+        </p:txBody>
+      </p:sp>
+      <p:pic>
+        <p:nvPicPr>
+          <p:cNvPr id="5" name="Content Placeholder 4"/>
+          <p:cNvPicPr>
+            <a:picLocks noGrp="1" noChangeAspect="1"/>
+          </p:cNvPicPr>
+          <p:nvPr>
+            <p:ph sz="half" idx="2"/>
+          </p:nvPr>
+        </p:nvPicPr>
+        <p:blipFill>
+          <a:blip r:embed="rId3">
+            <a:extLst>
+              <a:ext uri="{28A0092B-C50C-407E-A947-70E740481C1C}">
+                <a14:useLocalDpi xmlns:a14="http://schemas.microsoft.com/office/drawing/2010/main" val="0"/>
+              </a:ext>
+            </a:extLst>
+          </a:blip>
+          <a:stretch>
+            <a:fillRect/>
+          </a:stretch>
+        </p:blipFill>
+        <p:spPr>
+          <a:xfrm>
+            <a:off x="7047130" y="2286000"/>
+            <a:ext cx="3403165" cy="3581400"/>
+          </a:xfrm>
+        </p:spPr>
+      </p:pic>
+    </p:spTree>
+    <p:extLst>
+      <p:ext uri="{BB962C8B-B14F-4D97-AF65-F5344CB8AC3E}">
+        <p14:creationId xmlns:p14="http://schemas.microsoft.com/office/powerpoint/2010/main" val="2384049020"/>
       </p:ext>
     </p:extLst>
   </p:cSld>
@@ -4629,177 +5610,6 @@
           <a:chExt cx="0" cy="0"/>
         </a:xfrm>
       </p:grpSpPr>
-      <p:sp>
-        <p:nvSpPr>
-          <p:cNvPr id="2" name="Title 1"/>
-          <p:cNvSpPr>
-            <a:spLocks noGrp="1"/>
-          </p:cNvSpPr>
-          <p:nvPr>
-            <p:ph type="title"/>
-          </p:nvPr>
-        </p:nvSpPr>
-        <p:spPr/>
-        <p:txBody>
-          <a:bodyPr/>
-          <a:lstStyle/>
-          <a:p>
-            <a:r>
-              <a:rPr lang="en-US" dirty="0" err="1" smtClean="0"/>
-              <a:t>Rikai</a:t>
-            </a:r>
-            <a:r>
-              <a:rPr lang="en-US" dirty="0" smtClean="0"/>
-              <a:t>-kun/-</a:t>
-            </a:r>
-            <a:r>
-              <a:rPr lang="en-US" dirty="0" err="1"/>
-              <a:t>chan</a:t>
-            </a:r>
-            <a:r>
-              <a:rPr lang="en-US" dirty="0"/>
-              <a:t>/-</a:t>
-            </a:r>
-            <a:r>
-              <a:rPr lang="en-US" dirty="0" err="1"/>
-              <a:t>sama</a:t>
-            </a:r>
-            <a:endParaRPr lang="en-US" dirty="0"/>
-          </a:p>
-        </p:txBody>
-      </p:sp>
-      <p:sp>
-        <p:nvSpPr>
-          <p:cNvPr id="3" name="Content Placeholder 2"/>
-          <p:cNvSpPr>
-            <a:spLocks noGrp="1"/>
-          </p:cNvSpPr>
-          <p:nvPr>
-            <p:ph sz="half" idx="1"/>
-          </p:nvPr>
-        </p:nvSpPr>
-        <p:spPr>
-          <a:xfrm>
-            <a:off x="1371600" y="1850571"/>
-            <a:ext cx="5029200" cy="4016829"/>
-          </a:xfrm>
-        </p:spPr>
-        <p:txBody>
-          <a:bodyPr>
-            <a:normAutofit fontScale="92500" lnSpcReduction="20000"/>
-          </a:bodyPr>
-          <a:lstStyle/>
-          <a:p>
-            <a:r>
-              <a:rPr lang="en-US" dirty="0" smtClean="0"/>
-              <a:t>Translates Japanese into English by hovering over words</a:t>
-            </a:r>
-          </a:p>
-          <a:p>
-            <a:r>
-              <a:rPr lang="en-US" dirty="0" smtClean="0"/>
-              <a:t>Firefox original (-</a:t>
-            </a:r>
-            <a:r>
-              <a:rPr lang="en-US" dirty="0" err="1" smtClean="0"/>
-              <a:t>chan</a:t>
-            </a:r>
-            <a:r>
-              <a:rPr lang="en-US" dirty="0" smtClean="0"/>
-              <a:t>)</a:t>
-            </a:r>
-          </a:p>
-          <a:p>
-            <a:pPr lvl="1"/>
-            <a:r>
-              <a:rPr lang="en-US" dirty="0" smtClean="0"/>
-              <a:t>Ports </a:t>
-            </a:r>
-            <a:r>
-              <a:rPr lang="en-US" dirty="0" smtClean="0"/>
-              <a:t>for </a:t>
-            </a:r>
-            <a:r>
-              <a:rPr lang="en-US" dirty="0" smtClean="0"/>
-              <a:t>Chrome (-kun), Explorer (-</a:t>
-            </a:r>
-            <a:r>
-              <a:rPr lang="en-US" dirty="0" err="1" smtClean="0"/>
-              <a:t>sama</a:t>
-            </a:r>
-            <a:r>
-              <a:rPr lang="en-US" dirty="0"/>
-              <a:t>)</a:t>
-            </a:r>
-            <a:endParaRPr lang="en-US" dirty="0" smtClean="0"/>
-          </a:p>
-          <a:p>
-            <a:r>
-              <a:rPr lang="en-US" dirty="0" smtClean="0"/>
-              <a:t>Developed by Todd David </a:t>
-            </a:r>
-            <a:r>
-              <a:rPr lang="en-US" dirty="0" err="1" smtClean="0"/>
-              <a:t>Rudick</a:t>
-            </a:r>
-            <a:r>
-              <a:rPr lang="en-US" dirty="0" smtClean="0"/>
-              <a:t>; Chrome </a:t>
-            </a:r>
-            <a:r>
-              <a:rPr lang="en-US" dirty="0" smtClean="0"/>
-              <a:t>port created by </a:t>
-            </a:r>
-            <a:r>
-              <a:rPr lang="en-US" dirty="0" err="1" smtClean="0"/>
-              <a:t>Erek</a:t>
-            </a:r>
-            <a:r>
-              <a:rPr lang="en-US" dirty="0" smtClean="0"/>
-              <a:t> Speed</a:t>
-            </a:r>
-          </a:p>
-          <a:p>
-            <a:pPr lvl="1"/>
-            <a:r>
-              <a:rPr lang="en-US" dirty="0" smtClean="0"/>
-              <a:t>Both programmers</a:t>
-            </a:r>
-            <a:r>
-              <a:rPr lang="en-US" dirty="0" smtClean="0"/>
-              <a:t> </a:t>
-            </a:r>
-            <a:r>
-              <a:rPr lang="en-US" dirty="0" smtClean="0"/>
-              <a:t>from U.S. with </a:t>
-            </a:r>
-            <a:r>
-              <a:rPr lang="en-US" dirty="0" smtClean="0"/>
-              <a:t>graphic/game </a:t>
-            </a:r>
-            <a:r>
-              <a:rPr lang="en-US" dirty="0" smtClean="0"/>
-              <a:t>design experience in Japan</a:t>
-            </a:r>
-          </a:p>
-          <a:p>
-            <a:r>
-              <a:rPr lang="en-US" dirty="0" smtClean="0"/>
-              <a:t>Personally, it has helped my Japanese improve greatly</a:t>
-            </a:r>
-          </a:p>
-          <a:p>
-            <a:r>
-              <a:rPr lang="en-US" dirty="0" smtClean="0"/>
-              <a:t>The efficiency is unmatched (no need to keep opening a separate online dictionary)</a:t>
-            </a:r>
-            <a:endParaRPr lang="en-US" dirty="0"/>
-          </a:p>
-          <a:p>
-            <a:endParaRPr lang="en-US" dirty="0"/>
-          </a:p>
-        </p:txBody>
-      </p:sp>
       <p:pic>
         <p:nvPicPr>
           <p:cNvPr id="5" name="Content Placeholder 4"/>
@@ -4807,31 +5617,119 @@
             <a:picLocks noGrp="1" noChangeAspect="1"/>
           </p:cNvPicPr>
           <p:nvPr>
-            <p:ph sz="half" idx="2"/>
+            <p:ph sz="half" idx="1"/>
           </p:nvPr>
         </p:nvPicPr>
         <p:blipFill rotWithShape="1">
-          <a:blip r:embed="rId2">
+          <a:blip r:embed="rId3" cstate="print">
             <a:extLst>
               <a:ext uri="{28A0092B-C50C-407E-A947-70E740481C1C}">
                 <a14:useLocalDpi xmlns:a14="http://schemas.microsoft.com/office/drawing/2010/main" val="0"/>
               </a:ext>
             </a:extLst>
           </a:blip>
-          <a:srcRect l="16901" t="-327" r="7103" b="327"/>
+          <a:srcRect l="13935" r="9486"/>
+          <a:stretch/>
+        </p:blipFill>
+        <p:spPr>
+          <a:xfrm rot="5400000">
+            <a:off x="7267089" y="3806777"/>
+            <a:ext cx="3368907" cy="2474564"/>
+          </a:xfrm>
+        </p:spPr>
+      </p:pic>
+      <p:pic>
+        <p:nvPicPr>
+          <p:cNvPr id="6" name="Content Placeholder 5"/>
+          <p:cNvPicPr>
+            <a:picLocks noGrp="1" noChangeAspect="1"/>
+          </p:cNvPicPr>
+          <p:nvPr>
+            <p:ph sz="half" idx="2"/>
+          </p:nvPr>
+        </p:nvPicPr>
+        <p:blipFill>
+          <a:blip r:embed="rId4">
+            <a:extLst>
+              <a:ext uri="{28A0092B-C50C-407E-A947-70E740481C1C}">
+                <a14:useLocalDpi xmlns:a14="http://schemas.microsoft.com/office/drawing/2010/main" val="0"/>
+              </a:ext>
+            </a:extLst>
+          </a:blip>
+          <a:stretch>
+            <a:fillRect/>
+          </a:stretch>
+        </p:blipFill>
+        <p:spPr>
+          <a:xfrm>
+            <a:off x="2064587" y="224520"/>
+            <a:ext cx="3135085" cy="3135085"/>
+          </a:xfrm>
+        </p:spPr>
+      </p:pic>
+      <p:pic>
+        <p:nvPicPr>
+          <p:cNvPr id="9" name="Picture 8"/>
+          <p:cNvPicPr>
+            <a:picLocks noChangeAspect="1"/>
+          </p:cNvPicPr>
+          <p:nvPr/>
+        </p:nvPicPr>
+        <p:blipFill rotWithShape="1">
+          <a:blip r:embed="rId5" cstate="print">
+            <a:extLst>
+              <a:ext uri="{28A0092B-C50C-407E-A947-70E740481C1C}">
+                <a14:useLocalDpi xmlns:a14="http://schemas.microsoft.com/office/drawing/2010/main" val="0"/>
+              </a:ext>
+            </a:extLst>
+          </a:blip>
+          <a:srcRect l="9363" r="12752"/>
           <a:stretch/>
         </p:blipFill>
         <p:spPr>
           <a:xfrm>
-            <a:off x="7021286" y="1636258"/>
-            <a:ext cx="4484915" cy="3326883"/>
+            <a:off x="6861487" y="224520"/>
+            <a:ext cx="4180112" cy="3018970"/>
           </a:xfrm>
+          <a:prstGeom prst="rect">
+            <a:avLst/>
+          </a:prstGeom>
+        </p:spPr>
+      </p:pic>
+      <p:pic>
+        <p:nvPicPr>
+          <p:cNvPr id="10" name="Picture 9"/>
+          <p:cNvPicPr>
+            <a:picLocks noChangeAspect="1"/>
+          </p:cNvPicPr>
+          <p:nvPr/>
+        </p:nvPicPr>
+        <p:blipFill>
+          <a:blip r:embed="rId6" cstate="print">
+            <a:extLst>
+              <a:ext uri="{28A0092B-C50C-407E-A947-70E740481C1C}">
+                <a14:useLocalDpi xmlns:a14="http://schemas.microsoft.com/office/drawing/2010/main" val="0"/>
+              </a:ext>
+            </a:extLst>
+          </a:blip>
+          <a:stretch>
+            <a:fillRect/>
+          </a:stretch>
+        </p:blipFill>
+        <p:spPr>
+          <a:xfrm>
+            <a:off x="2661552" y="3980486"/>
+            <a:ext cx="3795414" cy="2379547"/>
+          </a:xfrm>
+          <a:prstGeom prst="rect">
+            <a:avLst/>
+          </a:prstGeom>
         </p:spPr>
       </p:pic>
     </p:spTree>
     <p:extLst>
       <p:ext uri="{BB962C8B-B14F-4D97-AF65-F5344CB8AC3E}">
-        <p14:creationId xmlns:p14="http://schemas.microsoft.com/office/powerpoint/2010/main" val="1094463749"/>
+        <p14:creationId xmlns:p14="http://schemas.microsoft.com/office/powerpoint/2010/main" val="3039242360"/>
       </p:ext>
     </p:extLst>
   </p:cSld>
@@ -4898,7 +5796,12 @@
             <p:ph idx="1"/>
           </p:nvPr>
         </p:nvSpPr>
-        <p:spPr/>
+        <p:spPr>
+          <a:xfrm>
+            <a:off x="1243013" y="1567473"/>
+            <a:ext cx="9601200" cy="3581400"/>
+          </a:xfrm>
+        </p:spPr>
         <p:txBody>
           <a:bodyPr/>
           <a:lstStyle/>
@@ -4911,37 +5814,131 @@
           <a:p>
             <a:r>
               <a:rPr lang="en-US" dirty="0" smtClean="0"/>
-              <a:t>Video games</a:t>
+              <a:t>Maps </a:t>
+            </a:r>
+            <a:r>
+              <a:rPr lang="en-US" dirty="0" smtClean="0"/>
+              <a:t>(online maps, paper maps)</a:t>
+            </a:r>
+          </a:p>
+          <a:p>
+            <a:r>
+              <a:rPr lang="en-US" dirty="0" smtClean="0"/>
+              <a:t>Glasses (frames, foggy glasses, </a:t>
+            </a:r>
+            <a:r>
+              <a:rPr lang="en-US" dirty="0" err="1" smtClean="0"/>
+              <a:t>etc</a:t>
+            </a:r>
+            <a:r>
+              <a:rPr lang="en-US" dirty="0" smtClean="0"/>
+              <a:t>)</a:t>
+            </a:r>
+            <a:endParaRPr lang="en-US" dirty="0" smtClean="0"/>
+          </a:p>
+          <a:p>
+            <a:r>
+              <a:rPr lang="en-US" dirty="0" smtClean="0"/>
+              <a:t>Food:  Menus, plating</a:t>
+            </a:r>
+            <a:r>
+              <a:rPr lang="en-US" dirty="0" smtClean="0"/>
+              <a:t>, the food itself?</a:t>
             </a:r>
             <a:endParaRPr lang="en-US" dirty="0"/>
           </a:p>
-          <a:p>
-            <a:r>
-              <a:rPr lang="en-US" dirty="0" smtClean="0"/>
-              <a:t>Maps (online maps, paper maps)</a:t>
-            </a:r>
-          </a:p>
-          <a:p>
-            <a:r>
-              <a:rPr lang="en-US" dirty="0" smtClean="0"/>
-              <a:t>Glasses</a:t>
-            </a:r>
-          </a:p>
-          <a:p>
-            <a:r>
-              <a:rPr lang="en-US" dirty="0" smtClean="0"/>
-              <a:t>Driving</a:t>
-            </a:r>
-          </a:p>
-          <a:p>
-            <a:r>
-              <a:rPr lang="en-US" dirty="0" smtClean="0"/>
-              <a:t>Food? Menus?</a:t>
-            </a:r>
-            <a:endParaRPr lang="en-US" dirty="0"/>
-          </a:p>
-        </p:txBody>
-      </p:sp>
+        </p:txBody>
+      </p:sp>
+      <p:pic>
+        <p:nvPicPr>
+          <p:cNvPr id="4" name="Picture 3"/>
+          <p:cNvPicPr>
+            <a:picLocks noChangeAspect="1"/>
+          </p:cNvPicPr>
+          <p:nvPr/>
+        </p:nvPicPr>
+        <p:blipFill>
+          <a:blip r:embed="rId3">
+            <a:extLst>
+              <a:ext uri="{28A0092B-C50C-407E-A947-70E740481C1C}">
+                <a14:useLocalDpi xmlns:a14="http://schemas.microsoft.com/office/drawing/2010/main" val="0"/>
+              </a:ext>
+            </a:extLst>
+          </a:blip>
+          <a:stretch>
+            <a:fillRect/>
+          </a:stretch>
+        </p:blipFill>
+        <p:spPr>
+          <a:xfrm>
+            <a:off x="7793831" y="3774739"/>
+            <a:ext cx="3809981" cy="2708658"/>
+          </a:xfrm>
+          <a:prstGeom prst="rect">
+            <a:avLst/>
+          </a:prstGeom>
+        </p:spPr>
+      </p:pic>
+      <p:pic>
+        <p:nvPicPr>
+          <p:cNvPr id="5" name="Picture 4"/>
+          <p:cNvPicPr>
+            <a:picLocks noChangeAspect="1"/>
+          </p:cNvPicPr>
+          <p:nvPr/>
+        </p:nvPicPr>
+        <p:blipFill>
+          <a:blip r:embed="rId4">
+            <a:extLst>
+              <a:ext uri="{28A0092B-C50C-407E-A947-70E740481C1C}">
+                <a14:useLocalDpi xmlns:a14="http://schemas.microsoft.com/office/drawing/2010/main" val="0"/>
+              </a:ext>
+            </a:extLst>
+          </a:blip>
+          <a:stretch>
+            <a:fillRect/>
+          </a:stretch>
+        </p:blipFill>
+        <p:spPr>
+          <a:xfrm>
+            <a:off x="2157412" y="3809564"/>
+            <a:ext cx="4014788" cy="2678616"/>
+          </a:xfrm>
+          <a:prstGeom prst="rect">
+            <a:avLst/>
+          </a:prstGeom>
+        </p:spPr>
+      </p:pic>
+      <p:pic>
+        <p:nvPicPr>
+          <p:cNvPr id="6" name="Picture 5"/>
+          <p:cNvPicPr>
+            <a:picLocks noChangeAspect="1"/>
+          </p:cNvPicPr>
+          <p:nvPr/>
+        </p:nvPicPr>
+        <p:blipFill>
+          <a:blip r:embed="rId5">
+            <a:extLst>
+              <a:ext uri="{28A0092B-C50C-407E-A947-70E740481C1C}">
+                <a14:useLocalDpi xmlns:a14="http://schemas.microsoft.com/office/drawing/2010/main" val="0"/>
+              </a:ext>
+            </a:extLst>
+          </a:blip>
+          <a:stretch>
+            <a:fillRect/>
+          </a:stretch>
+        </p:blipFill>
+        <p:spPr>
+          <a:xfrm>
+            <a:off x="7793831" y="289204"/>
+            <a:ext cx="3809981" cy="2857486"/>
+          </a:xfrm>
+          <a:prstGeom prst="rect">
+            <a:avLst/>
+          </a:prstGeom>
+        </p:spPr>
+      </p:pic>
     </p:spTree>
     <p:extLst>
       <p:ext uri="{BB962C8B-B14F-4D97-AF65-F5344CB8AC3E}">
@@ -5218,4 +6215,265 @@
     </a:ext>
   </a:extLst>
 </a:theme>
+</file>
+
+<file path=ppt/theme/theme2.xml><?xml version="1.0" encoding="utf-8"?>
+<a:theme xmlns:a="http://schemas.openxmlformats.org/drawingml/2006/main" name="Office Theme">
+  <a:themeElements>
+    <a:clrScheme name="Office">
+      <a:dk1>
+        <a:sysClr val="windowText" lastClr="000000"/>
+      </a:dk1>
+      <a:lt1>
+        <a:sysClr val="window" lastClr="FFFFFF"/>
+      </a:lt1>
+      <a:dk2>
+        <a:srgbClr val="44546A"/>
+      </a:dk2>
+      <a:lt2>
+        <a:srgbClr val="E7E6E6"/>
+      </a:lt2>
+      <a:accent1>
+        <a:srgbClr val="5B9BD5"/>
+      </a:accent1>
+      <a:accent2>
+        <a:srgbClr val="ED7D31"/>
+      </a:accent2>
+      <a:accent3>
+        <a:srgbClr val="A5A5A5"/>
+      </a:accent3>
+      <a:accent4>
+        <a:srgbClr val="FFC000"/>
+      </a:accent4>
+      <a:accent5>
+        <a:srgbClr val="4472C4"/>
+      </a:accent5>
+      <a:accent6>
+        <a:srgbClr val="70AD47"/>
+      </a:accent6>
+      <a:hlink>
+        <a:srgbClr val="0563C1"/>
+      </a:hlink>
+      <a:folHlink>
+        <a:srgbClr val="954F72"/>
+      </a:folHlink>
+    </a:clrScheme>
+    <a:fontScheme name="Office">
+      <a:majorFont>
+        <a:latin typeface="Calibri Light" panose="020F0302020204030204"/>
+        <a:ea typeface=""/>
+        <a:cs typeface=""/>
+        <a:font script="Jpan" typeface="ＭＳ Ｐゴシック"/>
+        <a:font script="Hang" typeface="맑은 고딕"/>
+        <a:font script="Hans" typeface="宋体"/>
+        <a:font script="Hant" typeface="新細明體"/>
+        <a:font script="Arab" typeface="Times New Roman"/>
+        <a:font script="Hebr" typeface="Times New Roman"/>
+        <a:font script="Thai" typeface="Angsana New"/>
+        <a:font script="Ethi" typeface="Nyala"/>
+        <a:font script="Beng" typeface="Vrinda"/>
+        <a:font script="Gujr" typeface="Shruti"/>
+        <a:font script="Khmr" typeface="MoolBoran"/>
+        <a:font script="Knda" typeface="Tunga"/>
+        <a:font script="Guru" typeface="Raavi"/>
+        <a:font script="Cans" typeface="Euphemia"/>
+        <a:font script="Cher" typeface="Plantagenet Cherokee"/>
+        <a:font script="Yiii" typeface="Microsoft Yi Baiti"/>
+        <a:font script="Tibt" typeface="Microsoft Himalaya"/>
+        <a:font script="Thaa" typeface="MV Boli"/>
+        <a:font script="Deva" typeface="Mangal"/>
+        <a:font script="Telu" typeface="Gautami"/>
+        <a:font script="Taml" typeface="Latha"/>
+        <a:font script="Syrc" typeface="Estrangelo Edessa"/>
+        <a:font script="Orya" typeface="Kalinga"/>
+        <a:font script="Mlym" typeface="Kartika"/>
+        <a:font script="Laoo" typeface="DokChampa"/>
+        <a:font script="Sinh" typeface="Iskoola Pota"/>
+        <a:font script="Mong" typeface="Mongolian Baiti"/>
+        <a:font script="Viet" typeface="Times New Roman"/>
+        <a:font script="Uigh" typeface="Microsoft Uighur"/>
+        <a:font script="Geor" typeface="Sylfaen"/>
+      </a:majorFont>
+      <a:minorFont>
+        <a:latin typeface="Calibri" panose="020F0502020204030204"/>
+        <a:ea typeface=""/>
+        <a:cs typeface=""/>
+        <a:font script="Jpan" typeface="ＭＳ Ｐゴシック"/>
+        <a:font script="Hang" typeface="맑은 고딕"/>
+        <a:font script="Hans" typeface="宋体"/>
+        <a:font script="Hant" typeface="新細明體"/>
+        <a:font script="Arab" typeface="Arial"/>
+        <a:font script="Hebr" typeface="Arial"/>
+        <a:font script="Thai" typeface="Cordia New"/>
+        <a:font script="Ethi" typeface="Nyala"/>
+        <a:font script="Beng" typeface="Vrinda"/>
+        <a:font script="Gujr" typeface="Shruti"/>
+        <a:font script="Khmr" typeface="DaunPenh"/>
+        <a:font script="Knda" typeface="Tunga"/>
+        <a:font script="Guru" typeface="Raavi"/>
+        <a:font script="Cans" typeface="Euphemia"/>
+        <a:font script="Cher" typeface="Plantagenet Cherokee"/>
+        <a:font script="Yiii" typeface="Microsoft Yi Baiti"/>
+        <a:font script="Tibt" typeface="Microsoft Himalaya"/>
+        <a:font script="Thaa" typeface="MV Boli"/>
+        <a:font script="Deva" typeface="Mangal"/>
+        <a:font script="Telu" typeface="Gautami"/>
+        <a:font script="Taml" typeface="Latha"/>
+        <a:font script="Syrc" typeface="Estrangelo Edessa"/>
+        <a:font script="Orya" typeface="Kalinga"/>
+        <a:font script="Mlym" typeface="Kartika"/>
+        <a:font script="Laoo" typeface="DokChampa"/>
+        <a:font script="Sinh" typeface="Iskoola Pota"/>
+        <a:font script="Mong" typeface="Mongolian Baiti"/>
+        <a:font script="Viet" typeface="Arial"/>
+        <a:font script="Uigh" typeface="Microsoft Uighur"/>
+        <a:font script="Geor" typeface="Sylfaen"/>
+      </a:minorFont>
+    </a:fontScheme>
+    <a:fmtScheme name="Office">
+      <a:fillStyleLst>
+        <a:solidFill>
+          <a:schemeClr val="phClr"/>
+        </a:solidFill>
+        <a:gradFill rotWithShape="1">
+          <a:gsLst>
+            <a:gs pos="0">
+              <a:schemeClr val="phClr">
+                <a:lumMod val="110000"/>
+                <a:satMod val="105000"/>
+                <a:tint val="67000"/>
+              </a:schemeClr>
+            </a:gs>
+            <a:gs pos="50000">
+              <a:schemeClr val="phClr">
+                <a:lumMod val="105000"/>
+                <a:satMod val="103000"/>
+                <a:tint val="73000"/>
+              </a:schemeClr>
+            </a:gs>
+            <a:gs pos="100000">
+              <a:schemeClr val="phClr">
+                <a:lumMod val="105000"/>
+                <a:satMod val="109000"/>
+                <a:tint val="81000"/>
+              </a:schemeClr>
+            </a:gs>
+          </a:gsLst>
+          <a:lin ang="5400000" scaled="0"/>
+        </a:gradFill>
+        <a:gradFill rotWithShape="1">
+          <a:gsLst>
+            <a:gs pos="0">
+              <a:schemeClr val="phClr">
+                <a:satMod val="103000"/>
+                <a:lumMod val="102000"/>
+                <a:tint val="94000"/>
+              </a:schemeClr>
+            </a:gs>
+            <a:gs pos="50000">
+              <a:schemeClr val="phClr">
+                <a:satMod val="110000"/>
+                <a:lumMod val="100000"/>
+                <a:shade val="100000"/>
+              </a:schemeClr>
+            </a:gs>
+            <a:gs pos="100000">
+              <a:schemeClr val="phClr">
+                <a:lumMod val="99000"/>
+                <a:satMod val="120000"/>
+                <a:shade val="78000"/>
+              </a:schemeClr>
+            </a:gs>
+          </a:gsLst>
+          <a:lin ang="5400000" scaled="0"/>
+        </a:gradFill>
+      </a:fillStyleLst>
+      <a:lnStyleLst>
+        <a:ln w="6350" cap="flat" cmpd="sng" algn="ctr">
+          <a:solidFill>
+            <a:schemeClr val="phClr"/>
+          </a:solidFill>
+          <a:prstDash val="solid"/>
+          <a:miter lim="800000"/>
+        </a:ln>
+        <a:ln w="12700" cap="flat" cmpd="sng" algn="ctr">
+          <a:solidFill>
+            <a:schemeClr val="phClr"/>
+          </a:solidFill>
+          <a:prstDash val="solid"/>
+          <a:miter lim="800000"/>
+        </a:ln>
+        <a:ln w="19050" cap="flat" cmpd="sng" algn="ctr">
+          <a:solidFill>
+            <a:schemeClr val="phClr"/>
+          </a:solidFill>
+          <a:prstDash val="solid"/>
+          <a:miter lim="800000"/>
+        </a:ln>
+      </a:lnStyleLst>
+      <a:effectStyleLst>
+        <a:effectStyle>
+          <a:effectLst/>
+        </a:effectStyle>
+        <a:effectStyle>
+          <a:effectLst/>
+        </a:effectStyle>
+        <a:effectStyle>
+          <a:effectLst>
+            <a:outerShdw blurRad="57150" dist="19050" dir="5400000" algn="ctr" rotWithShape="0">
+              <a:srgbClr val="000000">
+                <a:alpha val="63000"/>
+              </a:srgbClr>
+            </a:outerShdw>
+          </a:effectLst>
+        </a:effectStyle>
+      </a:effectStyleLst>
+      <a:bgFillStyleLst>
+        <a:solidFill>
+          <a:schemeClr val="phClr"/>
+        </a:solidFill>
+        <a:solidFill>
+          <a:schemeClr val="phClr">
+            <a:tint val="95000"/>
+            <a:satMod val="170000"/>
+          </a:schemeClr>
+        </a:solidFill>
+        <a:gradFill rotWithShape="1">
+          <a:gsLst>
+            <a:gs pos="0">
+              <a:schemeClr val="phClr">
+                <a:tint val="93000"/>
+                <a:satMod val="150000"/>
+                <a:shade val="98000"/>
+                <a:lumMod val="102000"/>
+              </a:schemeClr>
+            </a:gs>
+            <a:gs pos="50000">
+              <a:schemeClr val="phClr">
+                <a:tint val="98000"/>
+                <a:satMod val="130000"/>
+                <a:shade val="90000"/>
+                <a:lumMod val="103000"/>
+              </a:schemeClr>
+            </a:gs>
+            <a:gs pos="100000">
+              <a:schemeClr val="phClr">
+                <a:shade val="63000"/>
+                <a:satMod val="120000"/>
+              </a:schemeClr>
+            </a:gs>
+          </a:gsLst>
+          <a:lin ang="5400000" scaled="0"/>
+        </a:gradFill>
+      </a:bgFillStyleLst>
+    </a:fmtScheme>
+  </a:themeElements>
+  <a:objectDefaults/>
+  <a:extraClrSchemeLst/>
+  <a:extLst>
+    <a:ext uri="{05A4C25C-085E-4340-85A3-A5531E510DB2}">
+      <thm15:themeFamily xmlns:thm15="http://schemas.microsoft.com/office/thememl/2012/main" name="Office Theme" id="{62F939B6-93AF-4DB8-9C6B-D6C7DFDC589F}" vid="{4A3C46E8-61CC-4603-A589-7422A47A8E4A}"/>
+    </a:ext>
+  </a:extLst>
+</a:theme>
 </file>
--- a/weekly-projects/overlay-part-1-gathering/overlays.pptx
+++ b/weekly-projects/overlay-part-1-gathering/overlays.pptx
@@ -4851,7 +4851,7 @@
         <p:spPr>
           <a:xfrm>
             <a:off x="1371600" y="1850571"/>
-            <a:ext cx="5029200" cy="4507367"/>
+            <a:ext cx="5372100" cy="4507367"/>
           </a:xfrm>
         </p:spPr>
         <p:txBody>
@@ -4866,9 +4866,12 @@
             </a:r>
             <a:r>
               <a:rPr lang="en-US" dirty="0" smtClean="0"/>
-              <a:t>words; adds an inline frame over current frame</a:t>
-            </a:r>
-            <a:endParaRPr lang="en-US" dirty="0" smtClean="0"/>
+              <a:t>words (also gives kanji reading); </a:t>
+            </a:r>
+            <a:r>
+              <a:rPr lang="en-US" dirty="0" smtClean="0"/>
+              <a:t>adds an inline frame over current frame</a:t>
+            </a:r>
           </a:p>
           <a:p>
             <a:r>
@@ -4938,19 +4941,7 @@
           <a:p>
             <a:r>
               <a:rPr lang="en-US" dirty="0" smtClean="0"/>
-              <a:t>The efficiency is </a:t>
-            </a:r>
-            <a:r>
-              <a:rPr lang="en-US" dirty="0" smtClean="0"/>
-              <a:t>unmatched due to its inline nature </a:t>
-            </a:r>
-            <a:r>
-              <a:rPr lang="en-US" dirty="0" smtClean="0"/>
-              <a:t>(no need to keep opening a separate online dictionary</a:t>
-            </a:r>
-            <a:r>
-              <a:rPr lang="en-US" dirty="0" smtClean="0"/>
-              <a:t>)</a:t>
+              <a:t>The efficiency is unmatched due to its inline nature (no need to keep opening a separate online dictionary)</a:t>
             </a:r>
             <a:endParaRPr lang="en-US" dirty="0"/>
           </a:p>
@@ -5325,11 +5316,7 @@
           <a:p>
             <a:r>
               <a:rPr lang="en-US" dirty="0" smtClean="0"/>
-              <a:t>Source of light can be </a:t>
-            </a:r>
-            <a:r>
-              <a:rPr lang="en-US" dirty="0" smtClean="0"/>
-              <a:t>natural/artificial</a:t>
+              <a:t>Source of light can be natural/artificial</a:t>
             </a:r>
           </a:p>
           <a:p>
@@ -5338,16 +5325,11 @@
               <a:rPr lang="en-US" dirty="0" smtClean="0"/>
               <a:t>The Sun vs light bulb</a:t>
             </a:r>
-            <a:endParaRPr lang="en-US" dirty="0" smtClean="0"/>
           </a:p>
           <a:p>
             <a:r>
               <a:rPr lang="en-US" dirty="0" smtClean="0"/>
-              <a:t>Objects “creating” the shadows can be </a:t>
-            </a:r>
-            <a:r>
-              <a:rPr lang="en-US" dirty="0" smtClean="0"/>
-              <a:t>natural/artificial</a:t>
+              <a:t>Objects “creating” the shadows can be natural/artificial</a:t>
             </a:r>
           </a:p>
           <a:p>
@@ -5356,14 +5338,12 @@
               <a:rPr lang="en-US" dirty="0" smtClean="0"/>
               <a:t>Free-growing plants vs angled web-awning</a:t>
             </a:r>
-            <a:endParaRPr lang="en-US" dirty="0" smtClean="0"/>
           </a:p>
           <a:p>
             <a:r>
               <a:rPr lang="en-US" dirty="0" smtClean="0"/>
               <a:t>The edges/contrast can be stark or blurry</a:t>
             </a:r>
-            <a:endParaRPr lang="en-US" dirty="0" smtClean="0"/>
           </a:p>
           <a:p>
             <a:r>
@@ -5374,29 +5354,8 @@
           <a:p>
             <a:r>
               <a:rPr lang="en-US" dirty="0" smtClean="0"/>
-              <a:t>Suggests the </a:t>
-            </a:r>
-            <a:r>
-              <a:rPr lang="en-US" dirty="0" smtClean="0"/>
-              <a:t>common theme seen throughout </a:t>
-            </a:r>
-            <a:r>
-              <a:rPr lang="en-US" dirty="0" smtClean="0"/>
-              <a:t>art &amp; literature </a:t>
-            </a:r>
-            <a:r>
-              <a:rPr lang="en-US" dirty="0" smtClean="0"/>
-              <a:t>between </a:t>
-            </a:r>
-            <a:r>
-              <a:rPr lang="en-US" dirty="0" smtClean="0"/>
-              <a:t>“light and darkness</a:t>
-            </a:r>
-            <a:r>
-              <a:rPr lang="en-US" dirty="0" smtClean="0"/>
-              <a:t>”</a:t>
-            </a:r>
-            <a:endParaRPr lang="en-US" dirty="0" smtClean="0"/>
+              <a:t>Suggests the common theme seen throughout art &amp; literature between “light and darkness”</a:t>
+            </a:r>
           </a:p>
         </p:txBody>
       </p:sp>
@@ -5814,11 +5773,7 @@
           <a:p>
             <a:r>
               <a:rPr lang="en-US" dirty="0" smtClean="0"/>
-              <a:t>Maps </a:t>
-            </a:r>
-            <a:r>
-              <a:rPr lang="en-US" dirty="0" smtClean="0"/>
-              <a:t>(online maps, paper maps)</a:t>
+              <a:t>Maps (online maps, paper maps)</a:t>
             </a:r>
           </a:p>
           <a:p>
@@ -5834,16 +5789,11 @@
               <a:rPr lang="en-US" dirty="0" smtClean="0"/>
               <a:t>)</a:t>
             </a:r>
-            <a:endParaRPr lang="en-US" dirty="0" smtClean="0"/>
           </a:p>
           <a:p>
             <a:r>
               <a:rPr lang="en-US" dirty="0" smtClean="0"/>
-              <a:t>Food:  Menus, plating</a:t>
-            </a:r>
-            <a:r>
-              <a:rPr lang="en-US" dirty="0" smtClean="0"/>
-              <a:t>, the food itself?</a:t>
+              <a:t>Food:  Menus, plating, the food itself?</a:t>
             </a:r>
             <a:endParaRPr lang="en-US" dirty="0"/>
           </a:p>
